--- a/Security & cryptography final project.pptx
+++ b/Security & cryptography final project.pptx
@@ -5,7 +5,7 @@
     <p:sldMasterId id="2147483705" r:id="rId1"/>
   </p:sldMasterIdLst>
   <p:notesMasterIdLst>
-    <p:notesMasterId r:id="rId12"/>
+    <p:notesMasterId r:id="rId22"/>
   </p:notesMasterIdLst>
   <p:sldIdLst>
     <p:sldId id="256" r:id="rId2"/>
@@ -17,7 +17,17 @@
     <p:sldId id="263" r:id="rId8"/>
     <p:sldId id="264" r:id="rId9"/>
     <p:sldId id="265" r:id="rId10"/>
-    <p:sldId id="258" r:id="rId11"/>
+    <p:sldId id="266" r:id="rId11"/>
+    <p:sldId id="267" r:id="rId12"/>
+    <p:sldId id="268" r:id="rId13"/>
+    <p:sldId id="269" r:id="rId14"/>
+    <p:sldId id="270" r:id="rId15"/>
+    <p:sldId id="271" r:id="rId16"/>
+    <p:sldId id="272" r:id="rId17"/>
+    <p:sldId id="273" r:id="rId18"/>
+    <p:sldId id="274" r:id="rId19"/>
+    <p:sldId id="275" r:id="rId20"/>
+    <p:sldId id="258" r:id="rId21"/>
   </p:sldIdLst>
   <p:sldSz cx="12192000" cy="6858000"/>
   <p:notesSz cx="6858000" cy="9144000"/>
@@ -206,7 +216,7 @@
           <a:p>
             <a:fld id="{147D659A-C858-4F06-930D-7D0D37FC3A76}" type="datetimeFigureOut">
               <a:rPr lang="en-US" smtClean="0"/>
-              <a:t>5/23/2024</a:t>
+              <a:t>6/27/2024</a:t>
             </a:fld>
             <a:endParaRPr lang="en-US"/>
           </a:p>
@@ -538,7 +548,7 @@
           <a:p>
             <a:fld id="{CB628471-E52A-46F0-9189-BA1A4F923366}" type="slidenum">
               <a:rPr lang="en-US" smtClean="0"/>
-              <a:t>10</a:t>
+              <a:t>20</a:t>
             </a:fld>
             <a:endParaRPr lang="en-US"/>
           </a:p>
@@ -614,7 +624,7 @@
           <a:noFill/>
           <a:extLst>
             <a:ext uri="{909E8E84-426E-40dd-AFC4-6F175D3DCCD1}">
-              <a14:hiddenFill xmlns="" xmlns:a14="http://schemas.microsoft.com/office/drawing/2010/main">
+              <a14:hiddenFill xmlns:a14="http://schemas.microsoft.com/office/drawing/2010/main" xmlns="">
                 <a:solidFill>
                   <a:srgbClr val="FFFFFF"/>
                 </a:solidFill>
@@ -673,7 +683,7 @@
             </a:ln>
             <a:extLst>
               <a:ext uri="{91240B29-F687-4f45-9708-019B960494DF}">
-                <a14:hiddenLine xmlns="" xmlns:a14="http://schemas.microsoft.com/office/drawing/2010/main" w="9525">
+                <a14:hiddenLine xmlns:a14="http://schemas.microsoft.com/office/drawing/2010/main" xmlns="" w="9525">
                   <a:solidFill>
                     <a:srgbClr val="000000"/>
                   </a:solidFill>
@@ -763,7 +773,7 @@
             </a:ln>
             <a:extLst>
               <a:ext uri="{91240B29-F687-4f45-9708-019B960494DF}">
-                <a14:hiddenLine xmlns="" xmlns:a14="http://schemas.microsoft.com/office/drawing/2010/main" w="9525">
+                <a14:hiddenLine xmlns:a14="http://schemas.microsoft.com/office/drawing/2010/main" xmlns="" w="9525">
                   <a:solidFill>
                     <a:srgbClr val="000000"/>
                   </a:solidFill>
@@ -853,7 +863,7 @@
             </a:ln>
             <a:extLst>
               <a:ext uri="{91240B29-F687-4f45-9708-019B960494DF}">
-                <a14:hiddenLine xmlns="" xmlns:a14="http://schemas.microsoft.com/office/drawing/2010/main" w="9525">
+                <a14:hiddenLine xmlns:a14="http://schemas.microsoft.com/office/drawing/2010/main" xmlns="" w="9525">
                   <a:solidFill>
                     <a:srgbClr val="000000"/>
                   </a:solidFill>
@@ -887,7 +897,7 @@
             </a:ln>
             <a:extLst>
               <a:ext uri="{91240B29-F687-4f45-9708-019B960494DF}">
-                <a14:hiddenLine xmlns="" xmlns:a14="http://schemas.microsoft.com/office/drawing/2010/main" w="9525">
+                <a14:hiddenLine xmlns:a14="http://schemas.microsoft.com/office/drawing/2010/main" xmlns="" w="9525">
                   <a:solidFill>
                     <a:srgbClr val="000000"/>
                   </a:solidFill>
@@ -977,7 +987,7 @@
             </a:ln>
             <a:extLst>
               <a:ext uri="{91240B29-F687-4f45-9708-019B960494DF}">
-                <a14:hiddenLine xmlns="" xmlns:a14="http://schemas.microsoft.com/office/drawing/2010/main" w="9525">
+                <a14:hiddenLine xmlns:a14="http://schemas.microsoft.com/office/drawing/2010/main" xmlns="" w="9525">
                   <a:solidFill>
                     <a:srgbClr val="000000"/>
                   </a:solidFill>
@@ -1039,7 +1049,7 @@
             </a:ln>
             <a:extLst>
               <a:ext uri="{91240B29-F687-4f45-9708-019B960494DF}">
-                <a14:hiddenLine xmlns="" xmlns:a14="http://schemas.microsoft.com/office/drawing/2010/main" w="9525">
+                <a14:hiddenLine xmlns:a14="http://schemas.microsoft.com/office/drawing/2010/main" xmlns="" w="9525">
                   <a:solidFill>
                     <a:srgbClr val="000000"/>
                   </a:solidFill>
@@ -1101,7 +1111,7 @@
             </a:ln>
             <a:extLst>
               <a:ext uri="{91240B29-F687-4f45-9708-019B960494DF}">
-                <a14:hiddenLine xmlns="" xmlns:a14="http://schemas.microsoft.com/office/drawing/2010/main" w="9525">
+                <a14:hiddenLine xmlns:a14="http://schemas.microsoft.com/office/drawing/2010/main" xmlns="" w="9525">
                   <a:solidFill>
                     <a:srgbClr val="000000"/>
                   </a:solidFill>
@@ -1191,7 +1201,7 @@
             </a:ln>
             <a:extLst>
               <a:ext uri="{91240B29-F687-4f45-9708-019B960494DF}">
-                <a14:hiddenLine xmlns="" xmlns:a14="http://schemas.microsoft.com/office/drawing/2010/main" w="9525">
+                <a14:hiddenLine xmlns:a14="http://schemas.microsoft.com/office/drawing/2010/main" xmlns="" w="9525">
                   <a:solidFill>
                     <a:srgbClr val="000000"/>
                   </a:solidFill>
@@ -1253,7 +1263,7 @@
             </a:ln>
             <a:extLst>
               <a:ext uri="{91240B29-F687-4f45-9708-019B960494DF}">
-                <a14:hiddenLine xmlns="" xmlns:a14="http://schemas.microsoft.com/office/drawing/2010/main" w="9525">
+                <a14:hiddenLine xmlns:a14="http://schemas.microsoft.com/office/drawing/2010/main" xmlns="" w="9525">
                   <a:solidFill>
                     <a:srgbClr val="000000"/>
                   </a:solidFill>
@@ -1315,7 +1325,7 @@
             </a:ln>
             <a:extLst>
               <a:ext uri="{91240B29-F687-4f45-9708-019B960494DF}">
-                <a14:hiddenLine xmlns="" xmlns:a14="http://schemas.microsoft.com/office/drawing/2010/main" w="9525">
+                <a14:hiddenLine xmlns:a14="http://schemas.microsoft.com/office/drawing/2010/main" xmlns="" w="9525">
                   <a:solidFill>
                     <a:srgbClr val="000000"/>
                   </a:solidFill>
@@ -1405,7 +1415,7 @@
             </a:ln>
             <a:extLst>
               <a:ext uri="{91240B29-F687-4f45-9708-019B960494DF}">
-                <a14:hiddenLine xmlns="" xmlns:a14="http://schemas.microsoft.com/office/drawing/2010/main" w="9525">
+                <a14:hiddenLine xmlns:a14="http://schemas.microsoft.com/office/drawing/2010/main" xmlns="" w="9525">
                   <a:solidFill>
                     <a:srgbClr val="000000"/>
                   </a:solidFill>
@@ -1495,7 +1505,7 @@
             </a:ln>
             <a:extLst>
               <a:ext uri="{91240B29-F687-4f45-9708-019B960494DF}">
-                <a14:hiddenLine xmlns="" xmlns:a14="http://schemas.microsoft.com/office/drawing/2010/main" w="9525">
+                <a14:hiddenLine xmlns:a14="http://schemas.microsoft.com/office/drawing/2010/main" xmlns="" w="9525">
                   <a:solidFill>
                     <a:srgbClr val="000000"/>
                   </a:solidFill>
@@ -1557,7 +1567,7 @@
             </a:ln>
             <a:extLst>
               <a:ext uri="{91240B29-F687-4f45-9708-019B960494DF}">
-                <a14:hiddenLine xmlns="" xmlns:a14="http://schemas.microsoft.com/office/drawing/2010/main" w="9525">
+                <a14:hiddenLine xmlns:a14="http://schemas.microsoft.com/office/drawing/2010/main" xmlns="" w="9525">
                   <a:solidFill>
                     <a:srgbClr val="000000"/>
                   </a:solidFill>
@@ -1667,7 +1677,7 @@
             </a:ln>
             <a:extLst>
               <a:ext uri="{91240B29-F687-4f45-9708-019B960494DF}">
-                <a14:hiddenLine xmlns="" xmlns:a14="http://schemas.microsoft.com/office/drawing/2010/main" w="9525">
+                <a14:hiddenLine xmlns:a14="http://schemas.microsoft.com/office/drawing/2010/main" xmlns="" w="9525">
                   <a:solidFill>
                     <a:srgbClr val="000000"/>
                   </a:solidFill>
@@ -1729,7 +1739,7 @@
             </a:ln>
             <a:extLst>
               <a:ext uri="{91240B29-F687-4f45-9708-019B960494DF}">
-                <a14:hiddenLine xmlns="" xmlns:a14="http://schemas.microsoft.com/office/drawing/2010/main" w="9525">
+                <a14:hiddenLine xmlns:a14="http://schemas.microsoft.com/office/drawing/2010/main" xmlns="" w="9525">
                   <a:solidFill>
                     <a:srgbClr val="000000"/>
                   </a:solidFill>
@@ -1819,7 +1829,7 @@
             </a:ln>
             <a:extLst>
               <a:ext uri="{91240B29-F687-4f45-9708-019B960494DF}">
-                <a14:hiddenLine xmlns="" xmlns:a14="http://schemas.microsoft.com/office/drawing/2010/main" w="9525">
+                <a14:hiddenLine xmlns:a14="http://schemas.microsoft.com/office/drawing/2010/main" xmlns="" w="9525">
                   <a:solidFill>
                     <a:srgbClr val="000000"/>
                   </a:solidFill>
@@ -1909,7 +1919,7 @@
             </a:ln>
             <a:extLst>
               <a:ext uri="{91240B29-F687-4f45-9708-019B960494DF}">
-                <a14:hiddenLine xmlns="" xmlns:a14="http://schemas.microsoft.com/office/drawing/2010/main" w="9525">
+                <a14:hiddenLine xmlns:a14="http://schemas.microsoft.com/office/drawing/2010/main" xmlns="" w="9525">
                   <a:solidFill>
                     <a:srgbClr val="000000"/>
                   </a:solidFill>
@@ -1971,7 +1981,7 @@
             </a:ln>
             <a:extLst>
               <a:ext uri="{91240B29-F687-4f45-9708-019B960494DF}">
-                <a14:hiddenLine xmlns="" xmlns:a14="http://schemas.microsoft.com/office/drawing/2010/main" w="9525">
+                <a14:hiddenLine xmlns:a14="http://schemas.microsoft.com/office/drawing/2010/main" xmlns="" w="9525">
                   <a:solidFill>
                     <a:srgbClr val="000000"/>
                   </a:solidFill>
@@ -2061,7 +2071,7 @@
             </a:ln>
             <a:extLst>
               <a:ext uri="{91240B29-F687-4f45-9708-019B960494DF}">
-                <a14:hiddenLine xmlns="" xmlns:a14="http://schemas.microsoft.com/office/drawing/2010/main" w="9525">
+                <a14:hiddenLine xmlns:a14="http://schemas.microsoft.com/office/drawing/2010/main" xmlns="" w="9525">
                   <a:solidFill>
                     <a:srgbClr val="000000"/>
                   </a:solidFill>
@@ -2151,7 +2161,7 @@
             </a:ln>
             <a:extLst>
               <a:ext uri="{91240B29-F687-4f45-9708-019B960494DF}">
-                <a14:hiddenLine xmlns="" xmlns:a14="http://schemas.microsoft.com/office/drawing/2010/main" w="9525">
+                <a14:hiddenLine xmlns:a14="http://schemas.microsoft.com/office/drawing/2010/main" xmlns="" w="9525">
                   <a:solidFill>
                     <a:srgbClr val="000000"/>
                   </a:solidFill>
@@ -2207,7 +2217,7 @@
             </a:ln>
             <a:extLst>
               <a:ext uri="{91240B29-F687-4f45-9708-019B960494DF}">
-                <a14:hiddenLine xmlns="" xmlns:a14="http://schemas.microsoft.com/office/drawing/2010/main" w="9525">
+                <a14:hiddenLine xmlns:a14="http://schemas.microsoft.com/office/drawing/2010/main" xmlns="" w="9525">
                   <a:solidFill>
                     <a:srgbClr val="000000"/>
                   </a:solidFill>
@@ -2297,7 +2307,7 @@
             </a:ln>
             <a:extLst>
               <a:ext uri="{91240B29-F687-4f45-9708-019B960494DF}">
-                <a14:hiddenLine xmlns="" xmlns:a14="http://schemas.microsoft.com/office/drawing/2010/main" w="9525">
+                <a14:hiddenLine xmlns:a14="http://schemas.microsoft.com/office/drawing/2010/main" xmlns="" w="9525">
                   <a:solidFill>
                     <a:srgbClr val="000000"/>
                   </a:solidFill>
@@ -2353,7 +2363,7 @@
             </a:ln>
             <a:extLst>
               <a:ext uri="{91240B29-F687-4f45-9708-019B960494DF}">
-                <a14:hiddenLine xmlns="" xmlns:a14="http://schemas.microsoft.com/office/drawing/2010/main" w="9525">
+                <a14:hiddenLine xmlns:a14="http://schemas.microsoft.com/office/drawing/2010/main" xmlns="" w="9525">
                   <a:solidFill>
                     <a:srgbClr val="000000"/>
                   </a:solidFill>
@@ -2443,7 +2453,7 @@
             </a:ln>
             <a:extLst>
               <a:ext uri="{91240B29-F687-4f45-9708-019B960494DF}">
-                <a14:hiddenLine xmlns="" xmlns:a14="http://schemas.microsoft.com/office/drawing/2010/main" w="9525">
+                <a14:hiddenLine xmlns:a14="http://schemas.microsoft.com/office/drawing/2010/main" xmlns="" w="9525">
                   <a:solidFill>
                     <a:srgbClr val="000000"/>
                   </a:solidFill>
@@ -2511,7 +2521,7 @@
             </a:ln>
             <a:extLst>
               <a:ext uri="{91240B29-F687-4f45-9708-019B960494DF}">
-                <a14:hiddenLine xmlns="" xmlns:a14="http://schemas.microsoft.com/office/drawing/2010/main" w="9525">
+                <a14:hiddenLine xmlns:a14="http://schemas.microsoft.com/office/drawing/2010/main" xmlns="" w="9525">
                   <a:solidFill>
                     <a:srgbClr val="000000"/>
                   </a:solidFill>
@@ -2601,7 +2611,7 @@
             </a:ln>
             <a:extLst>
               <a:ext uri="{91240B29-F687-4f45-9708-019B960494DF}">
-                <a14:hiddenLine xmlns="" xmlns:a14="http://schemas.microsoft.com/office/drawing/2010/main" w="9525">
+                <a14:hiddenLine xmlns:a14="http://schemas.microsoft.com/office/drawing/2010/main" xmlns="" w="9525">
                   <a:solidFill>
                     <a:srgbClr val="000000"/>
                   </a:solidFill>
@@ -2669,7 +2679,7 @@
             </a:ln>
             <a:extLst>
               <a:ext uri="{91240B29-F687-4f45-9708-019B960494DF}">
-                <a14:hiddenLine xmlns="" xmlns:a14="http://schemas.microsoft.com/office/drawing/2010/main" w="9525">
+                <a14:hiddenLine xmlns:a14="http://schemas.microsoft.com/office/drawing/2010/main" xmlns="" w="9525">
                   <a:solidFill>
                     <a:srgbClr val="000000"/>
                   </a:solidFill>
@@ -2759,7 +2769,7 @@
             </a:ln>
             <a:extLst>
               <a:ext uri="{91240B29-F687-4f45-9708-019B960494DF}">
-                <a14:hiddenLine xmlns="" xmlns:a14="http://schemas.microsoft.com/office/drawing/2010/main" w="9525">
+                <a14:hiddenLine xmlns:a14="http://schemas.microsoft.com/office/drawing/2010/main" xmlns="" w="9525">
                   <a:solidFill>
                     <a:srgbClr val="000000"/>
                   </a:solidFill>
@@ -2793,7 +2803,7 @@
             </a:ln>
             <a:extLst>
               <a:ext uri="{91240B29-F687-4f45-9708-019B960494DF}">
-                <a14:hiddenLine xmlns="" xmlns:a14="http://schemas.microsoft.com/office/drawing/2010/main" w="9525">
+                <a14:hiddenLine xmlns:a14="http://schemas.microsoft.com/office/drawing/2010/main" xmlns="" w="9525">
                   <a:solidFill>
                     <a:srgbClr val="000000"/>
                   </a:solidFill>
@@ -2883,7 +2893,7 @@
             </a:ln>
             <a:extLst>
               <a:ext uri="{91240B29-F687-4f45-9708-019B960494DF}">
-                <a14:hiddenLine xmlns="" xmlns:a14="http://schemas.microsoft.com/office/drawing/2010/main" w="9525">
+                <a14:hiddenLine xmlns:a14="http://schemas.microsoft.com/office/drawing/2010/main" xmlns="" w="9525">
                   <a:solidFill>
                     <a:srgbClr val="000000"/>
                   </a:solidFill>
@@ -2945,7 +2955,7 @@
             </a:ln>
             <a:extLst>
               <a:ext uri="{91240B29-F687-4f45-9708-019B960494DF}">
-                <a14:hiddenLine xmlns="" xmlns:a14="http://schemas.microsoft.com/office/drawing/2010/main" w="9525">
+                <a14:hiddenLine xmlns:a14="http://schemas.microsoft.com/office/drawing/2010/main" xmlns="" w="9525">
                   <a:solidFill>
                     <a:srgbClr val="000000"/>
                   </a:solidFill>
@@ -3007,7 +3017,7 @@
             </a:ln>
             <a:extLst>
               <a:ext uri="{91240B29-F687-4f45-9708-019B960494DF}">
-                <a14:hiddenLine xmlns="" xmlns:a14="http://schemas.microsoft.com/office/drawing/2010/main" w="9525">
+                <a14:hiddenLine xmlns:a14="http://schemas.microsoft.com/office/drawing/2010/main" xmlns="" w="9525">
                   <a:solidFill>
                     <a:srgbClr val="000000"/>
                   </a:solidFill>
@@ -3097,7 +3107,7 @@
             </a:ln>
             <a:extLst>
               <a:ext uri="{91240B29-F687-4f45-9708-019B960494DF}">
-                <a14:hiddenLine xmlns="" xmlns:a14="http://schemas.microsoft.com/office/drawing/2010/main" w="9525">
+                <a14:hiddenLine xmlns:a14="http://schemas.microsoft.com/office/drawing/2010/main" xmlns="" w="9525">
                   <a:solidFill>
                     <a:srgbClr val="000000"/>
                   </a:solidFill>
@@ -3165,7 +3175,7 @@
             </a:ln>
             <a:extLst>
               <a:ext uri="{91240B29-F687-4f45-9708-019B960494DF}">
-                <a14:hiddenLine xmlns="" xmlns:a14="http://schemas.microsoft.com/office/drawing/2010/main" w="9525">
+                <a14:hiddenLine xmlns:a14="http://schemas.microsoft.com/office/drawing/2010/main" xmlns="" w="9525">
                   <a:solidFill>
                     <a:srgbClr val="000000"/>
                   </a:solidFill>
@@ -3227,7 +3237,7 @@
             </a:ln>
             <a:extLst>
               <a:ext uri="{91240B29-F687-4f45-9708-019B960494DF}">
-                <a14:hiddenLine xmlns="" xmlns:a14="http://schemas.microsoft.com/office/drawing/2010/main" w="9525">
+                <a14:hiddenLine xmlns:a14="http://schemas.microsoft.com/office/drawing/2010/main" xmlns="" w="9525">
                   <a:solidFill>
                     <a:srgbClr val="000000"/>
                   </a:solidFill>
@@ -3317,7 +3327,7 @@
             </a:ln>
             <a:extLst>
               <a:ext uri="{91240B29-F687-4f45-9708-019B960494DF}">
-                <a14:hiddenLine xmlns="" xmlns:a14="http://schemas.microsoft.com/office/drawing/2010/main" w="9525">
+                <a14:hiddenLine xmlns:a14="http://schemas.microsoft.com/office/drawing/2010/main" xmlns="" w="9525">
                   <a:solidFill>
                     <a:srgbClr val="000000"/>
                   </a:solidFill>
@@ -3379,7 +3389,7 @@
             </a:ln>
             <a:extLst>
               <a:ext uri="{91240B29-F687-4f45-9708-019B960494DF}">
-                <a14:hiddenLine xmlns="" xmlns:a14="http://schemas.microsoft.com/office/drawing/2010/main" w="9525">
+                <a14:hiddenLine xmlns:a14="http://schemas.microsoft.com/office/drawing/2010/main" xmlns="" w="9525">
                   <a:solidFill>
                     <a:srgbClr val="000000"/>
                   </a:solidFill>
@@ -3469,7 +3479,7 @@
             </a:ln>
             <a:extLst>
               <a:ext uri="{91240B29-F687-4f45-9708-019B960494DF}">
-                <a14:hiddenLine xmlns="" xmlns:a14="http://schemas.microsoft.com/office/drawing/2010/main" w="9525">
+                <a14:hiddenLine xmlns:a14="http://schemas.microsoft.com/office/drawing/2010/main" xmlns="" w="9525">
                   <a:solidFill>
                     <a:srgbClr val="000000"/>
                   </a:solidFill>
@@ -3531,7 +3541,7 @@
             </a:ln>
             <a:extLst>
               <a:ext uri="{91240B29-F687-4f45-9708-019B960494DF}">
-                <a14:hiddenLine xmlns="" xmlns:a14="http://schemas.microsoft.com/office/drawing/2010/main" w="9525">
+                <a14:hiddenLine xmlns:a14="http://schemas.microsoft.com/office/drawing/2010/main" xmlns="" w="9525">
                   <a:solidFill>
                     <a:srgbClr val="000000"/>
                   </a:solidFill>
@@ -3621,7 +3631,7 @@
             </a:ln>
             <a:extLst>
               <a:ext uri="{91240B29-F687-4f45-9708-019B960494DF}">
-                <a14:hiddenLine xmlns="" xmlns:a14="http://schemas.microsoft.com/office/drawing/2010/main" w="9525">
+                <a14:hiddenLine xmlns:a14="http://schemas.microsoft.com/office/drawing/2010/main" xmlns="" w="9525">
                   <a:solidFill>
                     <a:srgbClr val="000000"/>
                   </a:solidFill>
@@ -3655,7 +3665,7 @@
             </a:ln>
             <a:extLst>
               <a:ext uri="{91240B29-F687-4f45-9708-019B960494DF}">
-                <a14:hiddenLine xmlns="" xmlns:a14="http://schemas.microsoft.com/office/drawing/2010/main" w="9525">
+                <a14:hiddenLine xmlns:a14="http://schemas.microsoft.com/office/drawing/2010/main" xmlns="" w="9525">
                   <a:solidFill>
                     <a:srgbClr val="000000"/>
                   </a:solidFill>
@@ -3720,7 +3730,7 @@
             </a:ln>
             <a:extLst>
               <a:ext uri="{91240B29-F687-4f45-9708-019B960494DF}">
-                <a14:hiddenLine xmlns="" xmlns:a14="http://schemas.microsoft.com/office/drawing/2010/main" w="9525">
+                <a14:hiddenLine xmlns:a14="http://schemas.microsoft.com/office/drawing/2010/main" xmlns="" w="9525">
                   <a:solidFill>
                     <a:srgbClr val="000000"/>
                   </a:solidFill>
@@ -3810,7 +3820,7 @@
             </a:ln>
             <a:extLst>
               <a:ext uri="{91240B29-F687-4f45-9708-019B960494DF}">
-                <a14:hiddenLine xmlns="" xmlns:a14="http://schemas.microsoft.com/office/drawing/2010/main" w="9525">
+                <a14:hiddenLine xmlns:a14="http://schemas.microsoft.com/office/drawing/2010/main" xmlns="" w="9525">
                   <a:solidFill>
                     <a:srgbClr val="000000"/>
                   </a:solidFill>
@@ -3872,7 +3882,7 @@
             </a:ln>
             <a:extLst>
               <a:ext uri="{91240B29-F687-4f45-9708-019B960494DF}">
-                <a14:hiddenLine xmlns="" xmlns:a14="http://schemas.microsoft.com/office/drawing/2010/main" w="9525">
+                <a14:hiddenLine xmlns:a14="http://schemas.microsoft.com/office/drawing/2010/main" xmlns="" w="9525">
                   <a:solidFill>
                     <a:srgbClr val="000000"/>
                   </a:solidFill>
@@ -3962,7 +3972,7 @@
             </a:ln>
             <a:extLst>
               <a:ext uri="{91240B29-F687-4f45-9708-019B960494DF}">
-                <a14:hiddenLine xmlns="" xmlns:a14="http://schemas.microsoft.com/office/drawing/2010/main" w="9525">
+                <a14:hiddenLine xmlns:a14="http://schemas.microsoft.com/office/drawing/2010/main" xmlns="" w="9525">
                   <a:solidFill>
                     <a:srgbClr val="000000"/>
                   </a:solidFill>
@@ -4052,7 +4062,7 @@
             </a:ln>
             <a:extLst>
               <a:ext uri="{91240B29-F687-4f45-9708-019B960494DF}">
-                <a14:hiddenLine xmlns="" xmlns:a14="http://schemas.microsoft.com/office/drawing/2010/main" w="9525">
+                <a14:hiddenLine xmlns:a14="http://schemas.microsoft.com/office/drawing/2010/main" xmlns="" w="9525">
                   <a:solidFill>
                     <a:srgbClr val="000000"/>
                   </a:solidFill>
@@ -4117,7 +4127,7 @@
             </a:ln>
             <a:extLst>
               <a:ext uri="{91240B29-F687-4f45-9708-019B960494DF}">
-                <a14:hiddenLine xmlns="" xmlns:a14="http://schemas.microsoft.com/office/drawing/2010/main" w="9525">
+                <a14:hiddenLine xmlns:a14="http://schemas.microsoft.com/office/drawing/2010/main" xmlns="" w="9525">
                   <a:solidFill>
                     <a:srgbClr val="000000"/>
                   </a:solidFill>
@@ -4179,7 +4189,7 @@
             </a:ln>
             <a:extLst>
               <a:ext uri="{91240B29-F687-4f45-9708-019B960494DF}">
-                <a14:hiddenLine xmlns="" xmlns:a14="http://schemas.microsoft.com/office/drawing/2010/main" w="9525">
+                <a14:hiddenLine xmlns:a14="http://schemas.microsoft.com/office/drawing/2010/main" xmlns="" w="9525">
                   <a:solidFill>
                     <a:srgbClr val="000000"/>
                   </a:solidFill>
@@ -4269,7 +4279,7 @@
             </a:ln>
             <a:extLst>
               <a:ext uri="{91240B29-F687-4f45-9708-019B960494DF}">
-                <a14:hiddenLine xmlns="" xmlns:a14="http://schemas.microsoft.com/office/drawing/2010/main" w="9525">
+                <a14:hiddenLine xmlns:a14="http://schemas.microsoft.com/office/drawing/2010/main" xmlns="" w="9525">
                   <a:solidFill>
                     <a:srgbClr val="000000"/>
                   </a:solidFill>
@@ -4359,7 +4369,7 @@
             </a:ln>
             <a:extLst>
               <a:ext uri="{91240B29-F687-4f45-9708-019B960494DF}">
-                <a14:hiddenLine xmlns="" xmlns:a14="http://schemas.microsoft.com/office/drawing/2010/main" w="9525">
+                <a14:hiddenLine xmlns:a14="http://schemas.microsoft.com/office/drawing/2010/main" xmlns="" w="9525">
                   <a:solidFill>
                     <a:srgbClr val="000000"/>
                   </a:solidFill>
@@ -4421,7 +4431,7 @@
             </a:ln>
             <a:extLst>
               <a:ext uri="{91240B29-F687-4f45-9708-019B960494DF}">
-                <a14:hiddenLine xmlns="" xmlns:a14="http://schemas.microsoft.com/office/drawing/2010/main" w="9525">
+                <a14:hiddenLine xmlns:a14="http://schemas.microsoft.com/office/drawing/2010/main" xmlns="" w="9525">
                   <a:solidFill>
                     <a:srgbClr val="000000"/>
                   </a:solidFill>
@@ -4541,7 +4551,7 @@
             </a:ln>
             <a:extLst>
               <a:ext uri="{91240B29-F687-4f45-9708-019B960494DF}">
-                <a14:hiddenLine xmlns="" xmlns:a14="http://schemas.microsoft.com/office/drawing/2010/main" w="9525">
+                <a14:hiddenLine xmlns:a14="http://schemas.microsoft.com/office/drawing/2010/main" xmlns="" w="9525">
                   <a:solidFill>
                     <a:srgbClr val="000000"/>
                   </a:solidFill>
@@ -4609,7 +4619,7 @@
             </a:ln>
             <a:extLst>
               <a:ext uri="{91240B29-F687-4f45-9708-019B960494DF}">
-                <a14:hiddenLine xmlns="" xmlns:a14="http://schemas.microsoft.com/office/drawing/2010/main" w="9525">
+                <a14:hiddenLine xmlns:a14="http://schemas.microsoft.com/office/drawing/2010/main" xmlns="" w="9525">
                   <a:solidFill>
                     <a:srgbClr val="000000"/>
                   </a:solidFill>
@@ -4699,7 +4709,7 @@
             </a:ln>
             <a:extLst>
               <a:ext uri="{91240B29-F687-4f45-9708-019B960494DF}">
-                <a14:hiddenLine xmlns="" xmlns:a14="http://schemas.microsoft.com/office/drawing/2010/main" w="9525">
+                <a14:hiddenLine xmlns:a14="http://schemas.microsoft.com/office/drawing/2010/main" xmlns="" w="9525">
                   <a:solidFill>
                     <a:srgbClr val="000000"/>
                   </a:solidFill>
@@ -4839,7 +4849,7 @@
           <a:p>
             <a:fld id="{48A87A34-81AB-432B-8DAE-1953F412C126}" type="datetimeFigureOut">
               <a:rPr lang="en-US" smtClean="0"/>
-              <a:t>5/23/2024</a:t>
+              <a:t>6/27/2024</a:t>
             </a:fld>
             <a:endParaRPr lang="en-US" dirty="0"/>
           </a:p>
@@ -5106,7 +5116,7 @@
           <a:p>
             <a:fld id="{48A87A34-81AB-432B-8DAE-1953F412C126}" type="datetimeFigureOut">
               <a:rPr lang="en-US" smtClean="0"/>
-              <a:t>5/23/2024</a:t>
+              <a:t>6/27/2024</a:t>
             </a:fld>
             <a:endParaRPr lang="en-US" dirty="0"/>
           </a:p>
@@ -5302,7 +5312,7 @@
           <a:p>
             <a:fld id="{48A87A34-81AB-432B-8DAE-1953F412C126}" type="datetimeFigureOut">
               <a:rPr lang="en-US" smtClean="0"/>
-              <a:t>5/23/2024</a:t>
+              <a:t>6/27/2024</a:t>
             </a:fld>
             <a:endParaRPr lang="en-US" dirty="0"/>
           </a:p>
@@ -5565,7 +5575,7 @@
           <a:p>
             <a:fld id="{48A87A34-81AB-432B-8DAE-1953F412C126}" type="datetimeFigureOut">
               <a:rPr lang="en-US" smtClean="0"/>
-              <a:t>5/23/2024</a:t>
+              <a:t>6/27/2024</a:t>
             </a:fld>
             <a:endParaRPr lang="en-US" dirty="0"/>
           </a:p>
@@ -5999,7 +6009,7 @@
           <a:p>
             <a:fld id="{48A87A34-81AB-432B-8DAE-1953F412C126}" type="datetimeFigureOut">
               <a:rPr lang="en-US" smtClean="0"/>
-              <a:t>5/23/2024</a:t>
+              <a:t>6/27/2024</a:t>
             </a:fld>
             <a:endParaRPr lang="en-US" dirty="0"/>
           </a:p>
@@ -6545,7 +6555,7 @@
           <a:p>
             <a:fld id="{48A87A34-81AB-432B-8DAE-1953F412C126}" type="datetimeFigureOut">
               <a:rPr lang="en-US" smtClean="0"/>
-              <a:t>5/23/2024</a:t>
+              <a:t>6/27/2024</a:t>
             </a:fld>
             <a:endParaRPr lang="en-US" dirty="0"/>
           </a:p>
@@ -7265,7 +7275,7 @@
           <a:p>
             <a:fld id="{48A87A34-81AB-432B-8DAE-1953F412C126}" type="datetimeFigureOut">
               <a:rPr lang="en-US" smtClean="0"/>
-              <a:t>5/23/2024</a:t>
+              <a:t>6/27/2024</a:t>
             </a:fld>
             <a:endParaRPr lang="en-US" dirty="0"/>
           </a:p>
@@ -7435,7 +7445,7 @@
           <a:p>
             <a:fld id="{48A87A34-81AB-432B-8DAE-1953F412C126}" type="datetimeFigureOut">
               <a:rPr lang="en-US" smtClean="0"/>
-              <a:t>5/23/2024</a:t>
+              <a:t>6/27/2024</a:t>
             </a:fld>
             <a:endParaRPr lang="en-US" dirty="0"/>
           </a:p>
@@ -7615,7 +7625,7 @@
           <a:p>
             <a:fld id="{48A87A34-81AB-432B-8DAE-1953F412C126}" type="datetimeFigureOut">
               <a:rPr lang="en-US" smtClean="0"/>
-              <a:t>5/23/2024</a:t>
+              <a:t>6/27/2024</a:t>
             </a:fld>
             <a:endParaRPr lang="en-US" dirty="0"/>
           </a:p>
@@ -7785,7 +7795,7 @@
           <a:p>
             <a:fld id="{48A87A34-81AB-432B-8DAE-1953F412C126}" type="datetimeFigureOut">
               <a:rPr lang="en-US" smtClean="0"/>
-              <a:t>5/23/2024</a:t>
+              <a:t>6/27/2024</a:t>
             </a:fld>
             <a:endParaRPr lang="en-US" dirty="0"/>
           </a:p>
@@ -8035,7 +8045,7 @@
           <a:p>
             <a:fld id="{48A87A34-81AB-432B-8DAE-1953F412C126}" type="datetimeFigureOut">
               <a:rPr lang="en-US" smtClean="0"/>
-              <a:t>5/23/2024</a:t>
+              <a:t>6/27/2024</a:t>
             </a:fld>
             <a:endParaRPr lang="en-US" dirty="0"/>
           </a:p>
@@ -8267,7 +8277,7 @@
           <a:p>
             <a:fld id="{48A87A34-81AB-432B-8DAE-1953F412C126}" type="datetimeFigureOut">
               <a:rPr lang="en-US" smtClean="0"/>
-              <a:t>5/23/2024</a:t>
+              <a:t>6/27/2024</a:t>
             </a:fld>
             <a:endParaRPr lang="en-US" dirty="0"/>
           </a:p>
@@ -8648,7 +8658,7 @@
           <a:p>
             <a:fld id="{48A87A34-81AB-432B-8DAE-1953F412C126}" type="datetimeFigureOut">
               <a:rPr lang="en-US" smtClean="0"/>
-              <a:t>5/23/2024</a:t>
+              <a:t>6/27/2024</a:t>
             </a:fld>
             <a:endParaRPr lang="en-US" dirty="0"/>
           </a:p>
@@ -8766,7 +8776,7 @@
           <a:p>
             <a:fld id="{48A87A34-81AB-432B-8DAE-1953F412C126}" type="datetimeFigureOut">
               <a:rPr lang="en-US" smtClean="0"/>
-              <a:t>5/23/2024</a:t>
+              <a:t>6/27/2024</a:t>
             </a:fld>
             <a:endParaRPr lang="en-US" dirty="0"/>
           </a:p>
@@ -8861,7 +8871,7 @@
           <a:p>
             <a:fld id="{48A87A34-81AB-432B-8DAE-1953F412C126}" type="datetimeFigureOut">
               <a:rPr lang="en-US" smtClean="0"/>
-              <a:t>5/23/2024</a:t>
+              <a:t>6/27/2024</a:t>
             </a:fld>
             <a:endParaRPr lang="en-US" dirty="0"/>
           </a:p>
@@ -9110,7 +9120,7 @@
           <a:p>
             <a:fld id="{48A87A34-81AB-432B-8DAE-1953F412C126}" type="datetimeFigureOut">
               <a:rPr lang="en-US" smtClean="0"/>
-              <a:t>5/23/2024</a:t>
+              <a:t>6/27/2024</a:t>
             </a:fld>
             <a:endParaRPr lang="en-US" dirty="0"/>
           </a:p>
@@ -9390,7 +9400,7 @@
           <a:p>
             <a:fld id="{48A87A34-81AB-432B-8DAE-1953F412C126}" type="datetimeFigureOut">
               <a:rPr lang="en-US" smtClean="0"/>
-              <a:t>5/23/2024</a:t>
+              <a:t>6/27/2024</a:t>
             </a:fld>
             <a:endParaRPr lang="en-US" dirty="0"/>
           </a:p>
@@ -9513,7 +9523,7 @@
           <a:noFill/>
           <a:extLst>
             <a:ext uri="{909E8E84-426E-40dd-AFC4-6F175D3DCCD1}">
-              <a14:hiddenFill xmlns="" xmlns:a14="http://schemas.microsoft.com/office/drawing/2010/main">
+              <a14:hiddenFill xmlns:a14="http://schemas.microsoft.com/office/drawing/2010/main" xmlns="">
                 <a:solidFill>
                   <a:srgbClr val="FFFFFF"/>
                 </a:solidFill>
@@ -9587,7 +9597,7 @@
               </a:ln>
               <a:extLst>
                 <a:ext uri="{91240B29-F687-4f45-9708-019B960494DF}">
-                  <a14:hiddenLine xmlns="" xmlns:a14="http://schemas.microsoft.com/office/drawing/2010/main" w="9525">
+                  <a14:hiddenLine xmlns:a14="http://schemas.microsoft.com/office/drawing/2010/main" xmlns="" w="9525">
                     <a:solidFill>
                       <a:srgbClr val="000000"/>
                     </a:solidFill>
@@ -9677,7 +9687,7 @@
               </a:ln>
               <a:extLst>
                 <a:ext uri="{91240B29-F687-4f45-9708-019B960494DF}">
-                  <a14:hiddenLine xmlns="" xmlns:a14="http://schemas.microsoft.com/office/drawing/2010/main" w="9525">
+                  <a14:hiddenLine xmlns:a14="http://schemas.microsoft.com/office/drawing/2010/main" xmlns="" w="9525">
                     <a:solidFill>
                       <a:srgbClr val="000000"/>
                     </a:solidFill>
@@ -9767,7 +9777,7 @@
               </a:ln>
               <a:extLst>
                 <a:ext uri="{91240B29-F687-4f45-9708-019B960494DF}">
-                  <a14:hiddenLine xmlns="" xmlns:a14="http://schemas.microsoft.com/office/drawing/2010/main" w="9525">
+                  <a14:hiddenLine xmlns:a14="http://schemas.microsoft.com/office/drawing/2010/main" xmlns="" w="9525">
                     <a:solidFill>
                       <a:srgbClr val="000000"/>
                     </a:solidFill>
@@ -9829,7 +9839,7 @@
               </a:ln>
               <a:extLst>
                 <a:ext uri="{91240B29-F687-4f45-9708-019B960494DF}">
-                  <a14:hiddenLine xmlns="" xmlns:a14="http://schemas.microsoft.com/office/drawing/2010/main" w="9525">
+                  <a14:hiddenLine xmlns:a14="http://schemas.microsoft.com/office/drawing/2010/main" xmlns="" w="9525">
                     <a:solidFill>
                       <a:srgbClr val="000000"/>
                     </a:solidFill>
@@ -9919,7 +9929,7 @@
               </a:ln>
               <a:extLst>
                 <a:ext uri="{91240B29-F687-4f45-9708-019B960494DF}">
-                  <a14:hiddenLine xmlns="" xmlns:a14="http://schemas.microsoft.com/office/drawing/2010/main" w="9525">
+                  <a14:hiddenLine xmlns:a14="http://schemas.microsoft.com/office/drawing/2010/main" xmlns="" w="9525">
                     <a:solidFill>
                       <a:srgbClr val="000000"/>
                     </a:solidFill>
@@ -9981,7 +9991,7 @@
               </a:ln>
               <a:extLst>
                 <a:ext uri="{91240B29-F687-4f45-9708-019B960494DF}">
-                  <a14:hiddenLine xmlns="" xmlns:a14="http://schemas.microsoft.com/office/drawing/2010/main" w="9525">
+                  <a14:hiddenLine xmlns:a14="http://schemas.microsoft.com/office/drawing/2010/main" xmlns="" w="9525">
                     <a:solidFill>
                       <a:srgbClr val="000000"/>
                     </a:solidFill>
@@ -10043,7 +10053,7 @@
               </a:ln>
               <a:extLst>
                 <a:ext uri="{91240B29-F687-4f45-9708-019B960494DF}">
-                  <a14:hiddenLine xmlns="" xmlns:a14="http://schemas.microsoft.com/office/drawing/2010/main" w="9525">
+                  <a14:hiddenLine xmlns:a14="http://schemas.microsoft.com/office/drawing/2010/main" xmlns="" w="9525">
                     <a:solidFill>
                       <a:srgbClr val="000000"/>
                     </a:solidFill>
@@ -10133,7 +10143,7 @@
               </a:ln>
               <a:extLst>
                 <a:ext uri="{91240B29-F687-4f45-9708-019B960494DF}">
-                  <a14:hiddenLine xmlns="" xmlns:a14="http://schemas.microsoft.com/office/drawing/2010/main" w="9525">
+                  <a14:hiddenLine xmlns:a14="http://schemas.microsoft.com/office/drawing/2010/main" xmlns="" w="9525">
                     <a:solidFill>
                       <a:srgbClr val="000000"/>
                     </a:solidFill>
@@ -10223,7 +10233,7 @@
               </a:ln>
               <a:extLst>
                 <a:ext uri="{91240B29-F687-4f45-9708-019B960494DF}">
-                  <a14:hiddenLine xmlns="" xmlns:a14="http://schemas.microsoft.com/office/drawing/2010/main" w="9525">
+                  <a14:hiddenLine xmlns:a14="http://schemas.microsoft.com/office/drawing/2010/main" xmlns="" w="9525">
                     <a:solidFill>
                       <a:srgbClr val="000000"/>
                     </a:solidFill>
@@ -10285,7 +10295,7 @@
               </a:ln>
               <a:extLst>
                 <a:ext uri="{91240B29-F687-4f45-9708-019B960494DF}">
-                  <a14:hiddenLine xmlns="" xmlns:a14="http://schemas.microsoft.com/office/drawing/2010/main" w="9525">
+                  <a14:hiddenLine xmlns:a14="http://schemas.microsoft.com/office/drawing/2010/main" xmlns="" w="9525">
                     <a:solidFill>
                       <a:srgbClr val="000000"/>
                     </a:solidFill>
@@ -10395,7 +10405,7 @@
               </a:ln>
               <a:extLst>
                 <a:ext uri="{91240B29-F687-4f45-9708-019B960494DF}">
-                  <a14:hiddenLine xmlns="" xmlns:a14="http://schemas.microsoft.com/office/drawing/2010/main" w="9525">
+                  <a14:hiddenLine xmlns:a14="http://schemas.microsoft.com/office/drawing/2010/main" xmlns="" w="9525">
                     <a:solidFill>
                       <a:srgbClr val="000000"/>
                     </a:solidFill>
@@ -10479,7 +10489,7 @@
               </a:ln>
               <a:extLst>
                 <a:ext uri="{91240B29-F687-4f45-9708-019B960494DF}">
-                  <a14:hiddenLine xmlns="" xmlns:a14="http://schemas.microsoft.com/office/drawing/2010/main" w="9525">
+                  <a14:hiddenLine xmlns:a14="http://schemas.microsoft.com/office/drawing/2010/main" xmlns="" w="9525">
                     <a:solidFill>
                       <a:srgbClr val="000000"/>
                     </a:solidFill>
@@ -10541,7 +10551,7 @@
               </a:ln>
               <a:extLst>
                 <a:ext uri="{91240B29-F687-4f45-9708-019B960494DF}">
-                  <a14:hiddenLine xmlns="" xmlns:a14="http://schemas.microsoft.com/office/drawing/2010/main" w="9525">
+                  <a14:hiddenLine xmlns:a14="http://schemas.microsoft.com/office/drawing/2010/main" xmlns="" w="9525">
                     <a:solidFill>
                       <a:srgbClr val="000000"/>
                     </a:solidFill>
@@ -10603,7 +10613,7 @@
               </a:ln>
               <a:extLst>
                 <a:ext uri="{91240B29-F687-4f45-9708-019B960494DF}">
-                  <a14:hiddenLine xmlns="" xmlns:a14="http://schemas.microsoft.com/office/drawing/2010/main" w="9525">
+                  <a14:hiddenLine xmlns:a14="http://schemas.microsoft.com/office/drawing/2010/main" xmlns="" w="9525">
                     <a:solidFill>
                       <a:srgbClr val="000000"/>
                     </a:solidFill>
@@ -10693,7 +10703,7 @@
               </a:ln>
               <a:extLst>
                 <a:ext uri="{91240B29-F687-4f45-9708-019B960494DF}">
-                  <a14:hiddenLine xmlns="" xmlns:a14="http://schemas.microsoft.com/office/drawing/2010/main" w="9525">
+                  <a14:hiddenLine xmlns:a14="http://schemas.microsoft.com/office/drawing/2010/main" xmlns="" w="9525">
                     <a:solidFill>
                       <a:srgbClr val="000000"/>
                     </a:solidFill>
@@ -10727,7 +10737,7 @@
               </a:ln>
               <a:extLst>
                 <a:ext uri="{91240B29-F687-4f45-9708-019B960494DF}">
-                  <a14:hiddenLine xmlns="" xmlns:a14="http://schemas.microsoft.com/office/drawing/2010/main" w="9525">
+                  <a14:hiddenLine xmlns:a14="http://schemas.microsoft.com/office/drawing/2010/main" xmlns="" w="9525">
                     <a:solidFill>
                       <a:srgbClr val="000000"/>
                     </a:solidFill>
@@ -10792,7 +10802,7 @@
               </a:ln>
               <a:extLst>
                 <a:ext uri="{91240B29-F687-4f45-9708-019B960494DF}">
-                  <a14:hiddenLine xmlns="" xmlns:a14="http://schemas.microsoft.com/office/drawing/2010/main" w="9525">
+                  <a14:hiddenLine xmlns:a14="http://schemas.microsoft.com/office/drawing/2010/main" xmlns="" w="9525">
                     <a:solidFill>
                       <a:srgbClr val="000000"/>
                     </a:solidFill>
@@ -10882,7 +10892,7 @@
               </a:ln>
               <a:extLst>
                 <a:ext uri="{91240B29-F687-4f45-9708-019B960494DF}">
-                  <a14:hiddenLine xmlns="" xmlns:a14="http://schemas.microsoft.com/office/drawing/2010/main" w="9525">
+                  <a14:hiddenLine xmlns:a14="http://schemas.microsoft.com/office/drawing/2010/main" xmlns="" w="9525">
                     <a:solidFill>
                       <a:srgbClr val="000000"/>
                     </a:solidFill>
@@ -10944,7 +10954,7 @@
               </a:ln>
               <a:extLst>
                 <a:ext uri="{91240B29-F687-4f45-9708-019B960494DF}">
-                  <a14:hiddenLine xmlns="" xmlns:a14="http://schemas.microsoft.com/office/drawing/2010/main" w="9525">
+                  <a14:hiddenLine xmlns:a14="http://schemas.microsoft.com/office/drawing/2010/main" xmlns="" w="9525">
                     <a:solidFill>
                       <a:srgbClr val="000000"/>
                     </a:solidFill>
@@ -11034,7 +11044,7 @@
               </a:ln>
               <a:extLst>
                 <a:ext uri="{91240B29-F687-4f45-9708-019B960494DF}">
-                  <a14:hiddenLine xmlns="" xmlns:a14="http://schemas.microsoft.com/office/drawing/2010/main" w="9525">
+                  <a14:hiddenLine xmlns:a14="http://schemas.microsoft.com/office/drawing/2010/main" xmlns="" w="9525">
                     <a:solidFill>
                       <a:srgbClr val="000000"/>
                     </a:solidFill>
@@ -11099,7 +11109,7 @@
               </a:ln>
               <a:extLst>
                 <a:ext uri="{91240B29-F687-4f45-9708-019B960494DF}">
-                  <a14:hiddenLine xmlns="" xmlns:a14="http://schemas.microsoft.com/office/drawing/2010/main" w="9525">
+                  <a14:hiddenLine xmlns:a14="http://schemas.microsoft.com/office/drawing/2010/main" xmlns="" w="9525">
                     <a:solidFill>
                       <a:srgbClr val="000000"/>
                     </a:solidFill>
@@ -11161,7 +11171,7 @@
               </a:ln>
               <a:extLst>
                 <a:ext uri="{91240B29-F687-4f45-9708-019B960494DF}">
-                  <a14:hiddenLine xmlns="" xmlns:a14="http://schemas.microsoft.com/office/drawing/2010/main" w="9525">
+                  <a14:hiddenLine xmlns:a14="http://schemas.microsoft.com/office/drawing/2010/main" xmlns="" w="9525">
                     <a:solidFill>
                       <a:srgbClr val="000000"/>
                     </a:solidFill>
@@ -11251,7 +11261,7 @@
               </a:ln>
               <a:extLst>
                 <a:ext uri="{91240B29-F687-4f45-9708-019B960494DF}">
-                  <a14:hiddenLine xmlns="" xmlns:a14="http://schemas.microsoft.com/office/drawing/2010/main" w="9525">
+                  <a14:hiddenLine xmlns:a14="http://schemas.microsoft.com/office/drawing/2010/main" xmlns="" w="9525">
                     <a:solidFill>
                       <a:srgbClr val="000000"/>
                     </a:solidFill>
@@ -11341,7 +11351,7 @@
               </a:ln>
               <a:extLst>
                 <a:ext uri="{91240B29-F687-4f45-9708-019B960494DF}">
-                  <a14:hiddenLine xmlns="" xmlns:a14="http://schemas.microsoft.com/office/drawing/2010/main" w="9525">
+                  <a14:hiddenLine xmlns:a14="http://schemas.microsoft.com/office/drawing/2010/main" xmlns="" w="9525">
                     <a:solidFill>
                       <a:srgbClr val="000000"/>
                     </a:solidFill>
@@ -11406,7 +11416,7 @@
               </a:ln>
               <a:extLst>
                 <a:ext uri="{91240B29-F687-4f45-9708-019B960494DF}">
-                  <a14:hiddenLine xmlns="" xmlns:a14="http://schemas.microsoft.com/office/drawing/2010/main" w="9525">
+                  <a14:hiddenLine xmlns:a14="http://schemas.microsoft.com/office/drawing/2010/main" xmlns="" w="9525">
                     <a:solidFill>
                       <a:srgbClr val="000000"/>
                     </a:solidFill>
@@ -11526,7 +11536,7 @@
               </a:ln>
               <a:extLst>
                 <a:ext uri="{91240B29-F687-4f45-9708-019B960494DF}">
-                  <a14:hiddenLine xmlns="" xmlns:a14="http://schemas.microsoft.com/office/drawing/2010/main" w="9525">
+                  <a14:hiddenLine xmlns:a14="http://schemas.microsoft.com/office/drawing/2010/main" xmlns="" w="9525">
                     <a:solidFill>
                       <a:srgbClr val="000000"/>
                     </a:solidFill>
@@ -11607,7 +11617,7 @@
               </a:ln>
               <a:extLst>
                 <a:ext uri="{91240B29-F687-4f45-9708-019B960494DF}">
-                  <a14:hiddenLine xmlns="" xmlns:a14="http://schemas.microsoft.com/office/drawing/2010/main" w="9525">
+                  <a14:hiddenLine xmlns:a14="http://schemas.microsoft.com/office/drawing/2010/main" xmlns="" w="9525">
                     <a:solidFill>
                       <a:srgbClr val="000000"/>
                     </a:solidFill>
@@ -11722,7 +11732,7 @@
               </a:ln>
               <a:extLst>
                 <a:ext uri="{91240B29-F687-4f45-9708-019B960494DF}">
-                  <a14:hiddenLine xmlns="" xmlns:a14="http://schemas.microsoft.com/office/drawing/2010/main" w="9525">
+                  <a14:hiddenLine xmlns:a14="http://schemas.microsoft.com/office/drawing/2010/main" xmlns="" w="9525">
                     <a:solidFill>
                       <a:srgbClr val="000000"/>
                     </a:solidFill>
@@ -11812,7 +11822,7 @@
               </a:ln>
               <a:extLst>
                 <a:ext uri="{91240B29-F687-4f45-9708-019B960494DF}">
-                  <a14:hiddenLine xmlns="" xmlns:a14="http://schemas.microsoft.com/office/drawing/2010/main" w="9525">
+                  <a14:hiddenLine xmlns:a14="http://schemas.microsoft.com/office/drawing/2010/main" xmlns="" w="9525">
                     <a:solidFill>
                       <a:srgbClr val="000000"/>
                     </a:solidFill>
@@ -11877,7 +11887,7 @@
               </a:ln>
               <a:extLst>
                 <a:ext uri="{91240B29-F687-4f45-9708-019B960494DF}">
-                  <a14:hiddenLine xmlns="" xmlns:a14="http://schemas.microsoft.com/office/drawing/2010/main" w="9525">
+                  <a14:hiddenLine xmlns:a14="http://schemas.microsoft.com/office/drawing/2010/main" xmlns="" w="9525">
                     <a:solidFill>
                       <a:srgbClr val="000000"/>
                     </a:solidFill>
@@ -11967,7 +11977,7 @@
               </a:ln>
               <a:extLst>
                 <a:ext uri="{91240B29-F687-4f45-9708-019B960494DF}">
-                  <a14:hiddenLine xmlns="" xmlns:a14="http://schemas.microsoft.com/office/drawing/2010/main" w="9525">
+                  <a14:hiddenLine xmlns:a14="http://schemas.microsoft.com/office/drawing/2010/main" xmlns="" w="9525">
                     <a:solidFill>
                       <a:srgbClr val="000000"/>
                     </a:solidFill>
@@ -12035,7 +12045,7 @@
               </a:ln>
               <a:extLst>
                 <a:ext uri="{91240B29-F687-4f45-9708-019B960494DF}">
-                  <a14:hiddenLine xmlns="" xmlns:a14="http://schemas.microsoft.com/office/drawing/2010/main" w="9525">
+                  <a14:hiddenLine xmlns:a14="http://schemas.microsoft.com/office/drawing/2010/main" xmlns="" w="9525">
                     <a:solidFill>
                       <a:srgbClr val="000000"/>
                     </a:solidFill>
@@ -12125,7 +12135,7 @@
               </a:ln>
               <a:extLst>
                 <a:ext uri="{91240B29-F687-4f45-9708-019B960494DF}">
-                  <a14:hiddenLine xmlns="" xmlns:a14="http://schemas.microsoft.com/office/drawing/2010/main" w="9525">
+                  <a14:hiddenLine xmlns:a14="http://schemas.microsoft.com/office/drawing/2010/main" xmlns="" w="9525">
                     <a:solidFill>
                       <a:srgbClr val="000000"/>
                     </a:solidFill>
@@ -12193,7 +12203,7 @@
               </a:ln>
               <a:extLst>
                 <a:ext uri="{91240B29-F687-4f45-9708-019B960494DF}">
-                  <a14:hiddenLine xmlns="" xmlns:a14="http://schemas.microsoft.com/office/drawing/2010/main" w="9525">
+                  <a14:hiddenLine xmlns:a14="http://schemas.microsoft.com/office/drawing/2010/main" xmlns="" w="9525">
                     <a:solidFill>
                       <a:srgbClr val="000000"/>
                     </a:solidFill>
@@ -12283,7 +12293,7 @@
               </a:ln>
               <a:extLst>
                 <a:ext uri="{91240B29-F687-4f45-9708-019B960494DF}">
-                  <a14:hiddenLine xmlns="" xmlns:a14="http://schemas.microsoft.com/office/drawing/2010/main" w="9525">
+                  <a14:hiddenLine xmlns:a14="http://schemas.microsoft.com/office/drawing/2010/main" xmlns="" w="9525">
                     <a:solidFill>
                       <a:srgbClr val="000000"/>
                     </a:solidFill>
@@ -12317,7 +12327,7 @@
               </a:ln>
               <a:extLst>
                 <a:ext uri="{91240B29-F687-4f45-9708-019B960494DF}">
-                  <a14:hiddenLine xmlns="" xmlns:a14="http://schemas.microsoft.com/office/drawing/2010/main" w="9525">
+                  <a14:hiddenLine xmlns:a14="http://schemas.microsoft.com/office/drawing/2010/main" xmlns="" w="9525">
                     <a:solidFill>
                       <a:srgbClr val="000000"/>
                     </a:solidFill>
@@ -12458,7 +12468,7 @@
             <a:fld id="{48A87A34-81AB-432B-8DAE-1953F412C126}" type="datetimeFigureOut">
               <a:rPr lang="en-US" smtClean="0"/>
               <a:pPr/>
-              <a:t>5/23/2024</a:t>
+              <a:t>6/27/2024</a:t>
             </a:fld>
             <a:endParaRPr lang="en-US" dirty="0"/>
           </a:p>
@@ -12929,14 +12939,32 @@
           <a:lstStyle/>
           <a:p>
             <a:r>
-              <a:rPr lang="en-US" dirty="0"/>
+              <a:rPr lang="en-US" dirty="0">
+                <a:solidFill>
+                  <a:schemeClr val="tx1">
+                    <a:lumMod val="85000"/>
+                  </a:schemeClr>
+                </a:solidFill>
+              </a:rPr>
               <a:t>Barna tudor-</a:t>
             </a:r>
             <a:r>
-              <a:rPr lang="en-US" dirty="0" err="1"/>
+              <a:rPr lang="en-US" dirty="0" err="1">
+                <a:solidFill>
+                  <a:schemeClr val="tx1">
+                    <a:lumMod val="85000"/>
+                  </a:schemeClr>
+                </a:solidFill>
+              </a:rPr>
               <a:t>cristian</a:t>
             </a:r>
-            <a:endParaRPr lang="en-US" dirty="0"/>
+            <a:endParaRPr lang="en-US" dirty="0">
+              <a:solidFill>
+                <a:schemeClr val="tx1">
+                  <a:lumMod val="85000"/>
+                </a:schemeClr>
+              </a:solidFill>
+            </a:endParaRPr>
           </a:p>
         </p:txBody>
       </p:sp>
@@ -12972,10 +13000,10 @@
       </p:grpSpPr>
       <p:sp>
         <p:nvSpPr>
-          <p:cNvPr id="2" name="Title 1">
+          <p:cNvPr id="5" name="Title 4">
             <a:extLst>
               <a:ext uri="{FF2B5EF4-FFF2-40B4-BE49-F238E27FC236}">
-                <a16:creationId xmlns:a16="http://schemas.microsoft.com/office/drawing/2014/main" id="{BD317246-C3BA-C859-62F4-09317ACE63E1}"/>
+                <a16:creationId xmlns:a16="http://schemas.microsoft.com/office/drawing/2014/main" id="{CA0EA941-DC7F-CB68-4631-453066963865}"/>
               </a:ext>
             </a:extLst>
           </p:cNvPr>
@@ -12993,7 +13021,219 @@
           <a:p>
             <a:r>
               <a:rPr lang="en-US" dirty="0"/>
-              <a:t>Resources used</a:t>
+              <a:t>BLOWFISH – Sub-keys</a:t>
+            </a:r>
+          </a:p>
+        </p:txBody>
+      </p:sp>
+      <p:sp>
+        <p:nvSpPr>
+          <p:cNvPr id="6" name="Content Placeholder 5">
+            <a:extLst>
+              <a:ext uri="{FF2B5EF4-FFF2-40B4-BE49-F238E27FC236}">
+                <a16:creationId xmlns:a16="http://schemas.microsoft.com/office/drawing/2014/main" id="{91075F6E-9C1A-99A4-0CB0-AA1B8BC56B86}"/>
+              </a:ext>
+            </a:extLst>
+          </p:cNvPr>
+          <p:cNvSpPr>
+            <a:spLocks noGrp="1"/>
+          </p:cNvSpPr>
+          <p:nvPr>
+            <p:ph idx="1"/>
+          </p:nvPr>
+        </p:nvSpPr>
+        <p:spPr/>
+        <p:txBody>
+          <a:bodyPr/>
+          <a:lstStyle/>
+          <a:p>
+            <a:r>
+              <a:rPr lang="en-US" dirty="0"/>
+              <a:t>For blowfish, there are 18 32-bit subkeys (the P-array) and</a:t>
+            </a:r>
+            <a:br>
+              <a:rPr lang="en-US" dirty="0"/>
+            </a:br>
+            <a:r>
+              <a:rPr lang="en-US" dirty="0"/>
+              <a:t>4 32-bit S-boxes with 256 values each</a:t>
+            </a:r>
+            <a:br>
+              <a:rPr lang="en-US" dirty="0"/>
+            </a:br>
+            <a:r>
+              <a:rPr lang="en-US" dirty="0"/>
+              <a:t>S</a:t>
+            </a:r>
+            <a:r>
+              <a:rPr lang="en-US" baseline="-25000" dirty="0"/>
+              <a:t>1, 0</a:t>
+            </a:r>
+            <a:r>
+              <a:rPr lang="en-US" dirty="0"/>
+              <a:t>, S</a:t>
+            </a:r>
+            <a:r>
+              <a:rPr lang="en-US" baseline="-25000" dirty="0"/>
+              <a:t>1, 1</a:t>
+            </a:r>
+            <a:r>
+              <a:rPr lang="en-US" dirty="0"/>
+              <a:t>…S</a:t>
+            </a:r>
+            <a:r>
+              <a:rPr lang="en-US" baseline="-25000" dirty="0"/>
+              <a:t>1, 255</a:t>
+            </a:r>
+            <a:r>
+              <a:rPr lang="en-US" dirty="0"/>
+              <a:t>; S</a:t>
+            </a:r>
+            <a:r>
+              <a:rPr lang="en-US" baseline="-25000" dirty="0"/>
+              <a:t>2, 0</a:t>
+            </a:r>
+            <a:r>
+              <a:rPr lang="en-US" dirty="0"/>
+              <a:t>, S</a:t>
+            </a:r>
+            <a:r>
+              <a:rPr lang="en-US" baseline="-25000" dirty="0"/>
+              <a:t>2, 1</a:t>
+            </a:r>
+            <a:r>
+              <a:rPr lang="en-US" dirty="0"/>
+              <a:t>…S</a:t>
+            </a:r>
+            <a:r>
+              <a:rPr lang="en-US" baseline="-25000" dirty="0"/>
+              <a:t>2, 255</a:t>
+            </a:r>
+            <a:r>
+              <a:rPr lang="en-US" dirty="0"/>
+              <a:t>; S</a:t>
+            </a:r>
+            <a:r>
+              <a:rPr lang="en-US" baseline="-25000" dirty="0"/>
+              <a:t>3, 0</a:t>
+            </a:r>
+            <a:r>
+              <a:rPr lang="en-US" dirty="0"/>
+              <a:t>, S</a:t>
+            </a:r>
+            <a:r>
+              <a:rPr lang="en-US" baseline="-25000" dirty="0"/>
+              <a:t>3, 1</a:t>
+            </a:r>
+            <a:r>
+              <a:rPr lang="en-US" dirty="0"/>
+              <a:t>…S</a:t>
+            </a:r>
+            <a:r>
+              <a:rPr lang="en-US" baseline="-25000" dirty="0"/>
+              <a:t>3, 255</a:t>
+            </a:r>
+            <a:r>
+              <a:rPr lang="en-US" dirty="0"/>
+              <a:t>; S</a:t>
+            </a:r>
+            <a:r>
+              <a:rPr lang="en-US" baseline="-25000" dirty="0"/>
+              <a:t>4, 0</a:t>
+            </a:r>
+            <a:r>
+              <a:rPr lang="en-US" dirty="0"/>
+              <a:t>, S</a:t>
+            </a:r>
+            <a:r>
+              <a:rPr lang="en-US" baseline="-25000" dirty="0"/>
+              <a:t>4, 1</a:t>
+            </a:r>
+            <a:r>
+              <a:rPr lang="en-US" dirty="0"/>
+              <a:t>…S</a:t>
+            </a:r>
+            <a:r>
+              <a:rPr lang="en-US" baseline="-25000" dirty="0"/>
+              <a:t>4, 255</a:t>
+            </a:r>
+            <a:r>
+              <a:rPr lang="en-US" dirty="0"/>
+              <a:t>;</a:t>
+            </a:r>
+          </a:p>
+          <a:p>
+            <a:r>
+              <a:rPr lang="en-US" dirty="0"/>
+              <a:t>Before any encryption/decryption, these must be initialized and put through the Blowfish algorithm by themselves.</a:t>
+            </a:r>
+          </a:p>
+          <a:p>
+            <a:pPr marL="457200" lvl="1" indent="0">
+              <a:buNone/>
+            </a:pPr>
+            <a:endParaRPr lang="en-US" dirty="0"/>
+          </a:p>
+          <a:p>
+            <a:pPr lvl="1"/>
+            <a:endParaRPr lang="en-US" dirty="0"/>
+          </a:p>
+        </p:txBody>
+      </p:sp>
+    </p:spTree>
+    <p:extLst>
+      <p:ext uri="{BB962C8B-B14F-4D97-AF65-F5344CB8AC3E}">
+        <p14:creationId xmlns:p14="http://schemas.microsoft.com/office/powerpoint/2010/main" val="1365448340"/>
+      </p:ext>
+    </p:extLst>
+  </p:cSld>
+  <p:clrMapOvr>
+    <a:masterClrMapping/>
+  </p:clrMapOvr>
+</p:sld>
+</file>
+
+<file path=ppt/slides/slide11.xml><?xml version="1.0" encoding="utf-8"?>
+<p:sld xmlns:a="http://schemas.openxmlformats.org/drawingml/2006/main" xmlns:r="http://schemas.openxmlformats.org/officeDocument/2006/relationships" xmlns:p="http://schemas.openxmlformats.org/presentationml/2006/main">
+  <p:cSld>
+    <p:spTree>
+      <p:nvGrpSpPr>
+        <p:cNvPr id="1" name=""/>
+        <p:cNvGrpSpPr/>
+        <p:nvPr/>
+      </p:nvGrpSpPr>
+      <p:grpSpPr>
+        <a:xfrm>
+          <a:off x="0" y="0"/>
+          <a:ext cx="0" cy="0"/>
+          <a:chOff x="0" y="0"/>
+          <a:chExt cx="0" cy="0"/>
+        </a:xfrm>
+      </p:grpSpPr>
+      <p:sp>
+        <p:nvSpPr>
+          <p:cNvPr id="2" name="Title 1">
+            <a:extLst>
+              <a:ext uri="{FF2B5EF4-FFF2-40B4-BE49-F238E27FC236}">
+                <a16:creationId xmlns:a16="http://schemas.microsoft.com/office/drawing/2014/main" id="{98DF3A36-D1DA-6ABB-C324-FD9B79C0F5B6}"/>
+              </a:ext>
+            </a:extLst>
+          </p:cNvPr>
+          <p:cNvSpPr>
+            <a:spLocks noGrp="1"/>
+          </p:cNvSpPr>
+          <p:nvPr>
+            <p:ph type="title"/>
+          </p:nvPr>
+        </p:nvSpPr>
+        <p:spPr/>
+        <p:txBody>
+          <a:bodyPr/>
+          <a:lstStyle/>
+          <a:p>
+            <a:r>
+              <a:rPr lang="en-US" dirty="0"/>
+              <a:t>BLOWFISH – Sub-keys</a:t>
             </a:r>
           </a:p>
         </p:txBody>
@@ -13003,7 +13243,7 @@
           <p:cNvPr id="3" name="Content Placeholder 2">
             <a:extLst>
               <a:ext uri="{FF2B5EF4-FFF2-40B4-BE49-F238E27FC236}">
-                <a16:creationId xmlns:a16="http://schemas.microsoft.com/office/drawing/2014/main" id="{6E7E3126-94ED-5F09-3951-46E144867A26}"/>
+                <a16:creationId xmlns:a16="http://schemas.microsoft.com/office/drawing/2014/main" id="{2C6D0A88-22E1-2C25-FAC8-45B1BBD05530}"/>
               </a:ext>
             </a:extLst>
           </p:cNvPr>
@@ -13017,75 +13257,64 @@
         <p:spPr/>
         <p:txBody>
           <a:bodyPr>
-            <a:normAutofit lnSpcReduction="10000"/>
+            <a:normAutofit/>
           </a:bodyPr>
           <a:lstStyle/>
           <a:p>
             <a:r>
-              <a:rPr lang="en-US" dirty="0"/>
-              <a:t>DES:</a:t>
+              <a:rPr lang="en-US" sz="2000" dirty="0"/>
+              <a:t>Initialization:</a:t>
             </a:r>
           </a:p>
           <a:p>
             <a:pPr lvl="1"/>
             <a:r>
+              <a:rPr lang="en-US" sz="1800" dirty="0"/>
+              <a:t>First the P-array, then the S-boxes.</a:t>
+            </a:r>
+          </a:p>
+          <a:p>
+            <a:pPr lvl="1"/>
+            <a:r>
+              <a:rPr lang="en-US" sz="1800" dirty="0"/>
+              <a:t>Initialized with the hex representation of decimals of Pi, without the 3.</a:t>
+            </a:r>
+          </a:p>
+          <a:p>
+            <a:pPr lvl="2"/>
+            <a:r>
+              <a:rPr lang="pt-BR" sz="1600" dirty="0"/>
+              <a:t>P1 = 0x243f6a88; P 2 = 0x85a308d3; P3 = 0x13198a2e; P4 = 0x03707344, etc.</a:t>
+            </a:r>
+            <a:endParaRPr lang="en-US" sz="1600" dirty="0"/>
+          </a:p>
+          <a:p>
+            <a:r>
+              <a:rPr lang="en-US" sz="2000" dirty="0"/>
+              <a:t>Then, XOR P1 with the first 32 bits of the key, P2 with the 2</a:t>
+            </a:r>
+            <a:r>
+              <a:rPr lang="en-US" sz="2000" baseline="30000" dirty="0"/>
+              <a:t>nd</a:t>
+            </a:r>
+            <a:r>
+              <a:rPr lang="en-US" sz="2000" dirty="0"/>
+              <a:t> 32 bits and so on, until the entire P-array has been </a:t>
+            </a:r>
+            <a:r>
+              <a:rPr lang="en-US" sz="2000" dirty="0" err="1"/>
+              <a:t>XOR’ed</a:t>
+            </a:r>
+            <a:r>
+              <a:rPr lang="en-US" sz="2000" dirty="0"/>
+              <a:t>.</a:t>
+            </a:r>
+          </a:p>
+          <a:p>
+            <a:pPr lvl="1"/>
+            <a:r>
               <a:rPr lang="en-US" sz="1600" dirty="0"/>
-              <a:t>FIPS 46-3</a:t>
-            </a:r>
-          </a:p>
-          <a:p>
-            <a:pPr lvl="1"/>
-            <a:r>
-              <a:rPr lang="en-US" sz="1600" dirty="0"/>
-              <a:t>J. Orlin </a:t>
-            </a:r>
-            <a:r>
-              <a:rPr lang="en-US" sz="1600" dirty="0" err="1"/>
-              <a:t>Grabbe</a:t>
-            </a:r>
-            <a:r>
-              <a:rPr lang="en-US" sz="1600" dirty="0"/>
-              <a:t> - The DES Algorithm Illustrated</a:t>
-            </a:r>
-          </a:p>
-          <a:p>
-            <a:r>
-              <a:rPr lang="en-US" dirty="0"/>
-              <a:t>Blowfish:</a:t>
-            </a:r>
-          </a:p>
-          <a:p>
-            <a:pPr lvl="1"/>
-            <a:r>
-              <a:rPr lang="en-US" sz="1600" dirty="0"/>
-              <a:t>Schneier, B. (1994). Description of a new variable-length key, 64-bit block cipher (Blowfish). In: Anderson, R. (eds) Fast Software Encryption. FSE 1993. Lecture Notes in Computer Science, vol 809. Springer, Berlin, Heidelberg. </a:t>
-            </a:r>
-            <a:r>
-              <a:rPr lang="en-US" sz="1600" dirty="0">
-                <a:hlinkClick r:id="rId3"/>
-              </a:rPr>
-              <a:t>https://doi.org/10.1007/3-540-58108-1_24</a:t>
-            </a:r>
-            <a:endParaRPr lang="en-US" sz="1600" dirty="0"/>
-          </a:p>
-          <a:p>
-            <a:pPr lvl="1"/>
-            <a:r>
-              <a:rPr lang="en-US" sz="1600" dirty="0"/>
-              <a:t>List of constants for use in Blowfish : </a:t>
-            </a:r>
-            <a:r>
-              <a:rPr lang="en-US" sz="1600" dirty="0">
-                <a:hlinkClick r:id="rId4"/>
-              </a:rPr>
-              <a:t>https://www.schneier.com/wp-content/uploads/2015/12/constants-2.txt</a:t>
-            </a:r>
-            <a:endParaRPr lang="en-US" sz="1600" dirty="0"/>
-          </a:p>
-          <a:p>
-            <a:r>
-              <a:rPr lang="en-US" sz="2000" dirty="0"/>
-              <a:t>RSA:</a:t>
+              <a:t>Repeat the key as many times as necessary: A -&gt; AA -&gt; AAA.</a:t>
             </a:r>
           </a:p>
         </p:txBody>
@@ -13093,7 +13322,1176 @@
     </p:spTree>
     <p:extLst>
       <p:ext uri="{BB962C8B-B14F-4D97-AF65-F5344CB8AC3E}">
-        <p14:creationId xmlns:p14="http://schemas.microsoft.com/office/powerpoint/2010/main" val="2571479248"/>
+        <p14:creationId xmlns:p14="http://schemas.microsoft.com/office/powerpoint/2010/main" val="3482903100"/>
+      </p:ext>
+    </p:extLst>
+  </p:cSld>
+  <p:clrMapOvr>
+    <a:masterClrMapping/>
+  </p:clrMapOvr>
+</p:sld>
+</file>
+
+<file path=ppt/slides/slide12.xml><?xml version="1.0" encoding="utf-8"?>
+<p:sld xmlns:a="http://schemas.openxmlformats.org/drawingml/2006/main" xmlns:r="http://schemas.openxmlformats.org/officeDocument/2006/relationships" xmlns:p="http://schemas.openxmlformats.org/presentationml/2006/main">
+  <p:cSld>
+    <p:spTree>
+      <p:nvGrpSpPr>
+        <p:cNvPr id="1" name=""/>
+        <p:cNvGrpSpPr/>
+        <p:nvPr/>
+      </p:nvGrpSpPr>
+      <p:grpSpPr>
+        <a:xfrm>
+          <a:off x="0" y="0"/>
+          <a:ext cx="0" cy="0"/>
+          <a:chOff x="0" y="0"/>
+          <a:chExt cx="0" cy="0"/>
+        </a:xfrm>
+      </p:grpSpPr>
+      <p:sp>
+        <p:nvSpPr>
+          <p:cNvPr id="2" name="Title 1">
+            <a:extLst>
+              <a:ext uri="{FF2B5EF4-FFF2-40B4-BE49-F238E27FC236}">
+                <a16:creationId xmlns:a16="http://schemas.microsoft.com/office/drawing/2014/main" id="{98DF3A36-D1DA-6ABB-C324-FD9B79C0F5B6}"/>
+              </a:ext>
+            </a:extLst>
+          </p:cNvPr>
+          <p:cNvSpPr>
+            <a:spLocks noGrp="1"/>
+          </p:cNvSpPr>
+          <p:nvPr>
+            <p:ph type="title"/>
+          </p:nvPr>
+        </p:nvSpPr>
+        <p:spPr/>
+        <p:txBody>
+          <a:bodyPr/>
+          <a:lstStyle/>
+          <a:p>
+            <a:r>
+              <a:rPr lang="en-US" dirty="0"/>
+              <a:t>BLOWFISH – further pre-work</a:t>
+            </a:r>
+          </a:p>
+        </p:txBody>
+      </p:sp>
+      <p:sp>
+        <p:nvSpPr>
+          <p:cNvPr id="3" name="Content Placeholder 2">
+            <a:extLst>
+              <a:ext uri="{FF2B5EF4-FFF2-40B4-BE49-F238E27FC236}">
+                <a16:creationId xmlns:a16="http://schemas.microsoft.com/office/drawing/2014/main" id="{2C6D0A88-22E1-2C25-FAC8-45B1BBD05530}"/>
+              </a:ext>
+            </a:extLst>
+          </p:cNvPr>
+          <p:cNvSpPr>
+            <a:spLocks noGrp="1"/>
+          </p:cNvSpPr>
+          <p:nvPr>
+            <p:ph idx="1"/>
+          </p:nvPr>
+        </p:nvSpPr>
+        <p:spPr/>
+        <p:txBody>
+          <a:bodyPr>
+            <a:normAutofit/>
+          </a:bodyPr>
+          <a:lstStyle/>
+          <a:p>
+            <a:r>
+              <a:rPr lang="en-US" dirty="0"/>
+              <a:t>With these sub-keys, encrypt the all-zero block and replace P1 and P2 with the result</a:t>
+            </a:r>
+          </a:p>
+          <a:p>
+            <a:r>
+              <a:rPr lang="en-US" dirty="0"/>
+              <a:t>Encrypt that result and replace P3 and P4.</a:t>
+            </a:r>
+          </a:p>
+          <a:p>
+            <a:r>
+              <a:rPr lang="en-US" dirty="0"/>
+              <a:t>Repeat until all P-array entries, and all S-box entries, in order, have been replaced.</a:t>
+            </a:r>
+          </a:p>
+        </p:txBody>
+      </p:sp>
+    </p:spTree>
+    <p:extLst>
+      <p:ext uri="{BB962C8B-B14F-4D97-AF65-F5344CB8AC3E}">
+        <p14:creationId xmlns:p14="http://schemas.microsoft.com/office/powerpoint/2010/main" val="3665365991"/>
+      </p:ext>
+    </p:extLst>
+  </p:cSld>
+  <p:clrMapOvr>
+    <a:masterClrMapping/>
+  </p:clrMapOvr>
+</p:sld>
+</file>
+
+<file path=ppt/slides/slide13.xml><?xml version="1.0" encoding="utf-8"?>
+<p:sld xmlns:a="http://schemas.openxmlformats.org/drawingml/2006/main" xmlns:r="http://schemas.openxmlformats.org/officeDocument/2006/relationships" xmlns:p="http://schemas.openxmlformats.org/presentationml/2006/main">
+  <p:cSld>
+    <p:spTree>
+      <p:nvGrpSpPr>
+        <p:cNvPr id="1" name=""/>
+        <p:cNvGrpSpPr/>
+        <p:nvPr/>
+      </p:nvGrpSpPr>
+      <p:grpSpPr>
+        <a:xfrm>
+          <a:off x="0" y="0"/>
+          <a:ext cx="0" cy="0"/>
+          <a:chOff x="0" y="0"/>
+          <a:chExt cx="0" cy="0"/>
+        </a:xfrm>
+      </p:grpSpPr>
+      <p:sp>
+        <p:nvSpPr>
+          <p:cNvPr id="2" name="Title 1">
+            <a:extLst>
+              <a:ext uri="{FF2B5EF4-FFF2-40B4-BE49-F238E27FC236}">
+                <a16:creationId xmlns:a16="http://schemas.microsoft.com/office/drawing/2014/main" id="{98DF3A36-D1DA-6ABB-C324-FD9B79C0F5B6}"/>
+              </a:ext>
+            </a:extLst>
+          </p:cNvPr>
+          <p:cNvSpPr>
+            <a:spLocks noGrp="1"/>
+          </p:cNvSpPr>
+          <p:nvPr>
+            <p:ph type="title"/>
+          </p:nvPr>
+        </p:nvSpPr>
+        <p:spPr/>
+        <p:txBody>
+          <a:bodyPr/>
+          <a:lstStyle/>
+          <a:p>
+            <a:r>
+              <a:rPr lang="en-US" dirty="0"/>
+              <a:t>BLOWFISH – further pre-work</a:t>
+            </a:r>
+          </a:p>
+        </p:txBody>
+      </p:sp>
+      <p:sp>
+        <p:nvSpPr>
+          <p:cNvPr id="3" name="Content Placeholder 2">
+            <a:extLst>
+              <a:ext uri="{FF2B5EF4-FFF2-40B4-BE49-F238E27FC236}">
+                <a16:creationId xmlns:a16="http://schemas.microsoft.com/office/drawing/2014/main" id="{2C6D0A88-22E1-2C25-FAC8-45B1BBD05530}"/>
+              </a:ext>
+            </a:extLst>
+          </p:cNvPr>
+          <p:cNvSpPr>
+            <a:spLocks noGrp="1"/>
+          </p:cNvSpPr>
+          <p:nvPr>
+            <p:ph idx="1"/>
+          </p:nvPr>
+        </p:nvSpPr>
+        <p:spPr/>
+        <p:txBody>
+          <a:bodyPr>
+            <a:normAutofit/>
+          </a:bodyPr>
+          <a:lstStyle/>
+          <a:p>
+            <a:pPr marL="0" indent="0">
+              <a:buNone/>
+            </a:pPr>
+            <a:r>
+              <a:rPr lang="en-US" sz="2000" dirty="0"/>
+              <a:t>In Pseudo-code:</a:t>
+            </a:r>
+          </a:p>
+          <a:p>
+            <a:pPr marL="0" indent="0">
+              <a:lnSpc>
+                <a:spcPct val="100000"/>
+              </a:lnSpc>
+              <a:buNone/>
+            </a:pPr>
+            <a:r>
+              <a:rPr lang="en-US" sz="2000" dirty="0" err="1"/>
+              <a:t>init</a:t>
+            </a:r>
+            <a:r>
+              <a:rPr lang="en-US" sz="2000" dirty="0"/>
+              <a:t> = 0</a:t>
+            </a:r>
+            <a:br>
+              <a:rPr lang="en-US" sz="2000" dirty="0"/>
+            </a:br>
+            <a:r>
+              <a:rPr lang="en-US" sz="2000" dirty="0"/>
+              <a:t>for </a:t>
+            </a:r>
+            <a:r>
+              <a:rPr lang="en-US" sz="2000" dirty="0" err="1"/>
+              <a:t>i</a:t>
+            </a:r>
+            <a:r>
+              <a:rPr lang="en-US" sz="2000" dirty="0"/>
+              <a:t> = 1 to 17, step 2</a:t>
+            </a:r>
+            <a:br>
+              <a:rPr lang="en-US" sz="2000" dirty="0"/>
+            </a:br>
+            <a:r>
+              <a:rPr lang="en-US" sz="2000" dirty="0"/>
+              <a:t>   </a:t>
+            </a:r>
+            <a:r>
+              <a:rPr lang="en-US" sz="1600" dirty="0" err="1"/>
+              <a:t>init</a:t>
+            </a:r>
+            <a:r>
+              <a:rPr lang="en-US" sz="1600" dirty="0"/>
+              <a:t> = encrypt(</a:t>
+            </a:r>
+            <a:r>
+              <a:rPr lang="en-US" sz="1600" dirty="0" err="1"/>
+              <a:t>init</a:t>
+            </a:r>
+            <a:r>
+              <a:rPr lang="en-US" sz="1600" dirty="0"/>
+              <a:t>)</a:t>
+            </a:r>
+            <a:br>
+              <a:rPr lang="en-US" sz="1600" dirty="0"/>
+            </a:br>
+            <a:r>
+              <a:rPr lang="en-US" sz="1600" dirty="0"/>
+              <a:t>    P[</a:t>
+            </a:r>
+            <a:r>
+              <a:rPr lang="en-US" sz="1600" dirty="0" err="1"/>
+              <a:t>i</a:t>
+            </a:r>
+            <a:r>
+              <a:rPr lang="en-US" sz="1600" dirty="0"/>
+              <a:t>] = </a:t>
+            </a:r>
+            <a:r>
+              <a:rPr lang="en-US" sz="1600" dirty="0" err="1"/>
+              <a:t>init</a:t>
+            </a:r>
+            <a:r>
+              <a:rPr lang="en-US" sz="1600" dirty="0"/>
+              <a:t> &gt;&gt; 32</a:t>
+            </a:r>
+            <a:br>
+              <a:rPr lang="en-US" sz="1600" dirty="0"/>
+            </a:br>
+            <a:r>
+              <a:rPr lang="en-US" sz="1600" dirty="0"/>
+              <a:t>    P[i+1] = </a:t>
+            </a:r>
+            <a:r>
+              <a:rPr lang="en-US" sz="1600" dirty="0" err="1"/>
+              <a:t>init</a:t>
+            </a:r>
+            <a:r>
+              <a:rPr lang="en-US" sz="1600" dirty="0"/>
+              <a:t> &amp; 0xFFFFFFFF</a:t>
+            </a:r>
+            <a:br>
+              <a:rPr lang="en-US" sz="1600" dirty="0"/>
+            </a:br>
+            <a:r>
+              <a:rPr lang="en-US" sz="1600" dirty="0"/>
+              <a:t>for </a:t>
+            </a:r>
+            <a:r>
+              <a:rPr lang="en-US" sz="1600" dirty="0" err="1"/>
+              <a:t>i</a:t>
+            </a:r>
+            <a:r>
+              <a:rPr lang="en-US" sz="1600" dirty="0"/>
+              <a:t> = 1 to 4</a:t>
+            </a:r>
+            <a:br>
+              <a:rPr lang="en-US" sz="1600" dirty="0"/>
+            </a:br>
+            <a:r>
+              <a:rPr lang="en-US" sz="1600" dirty="0"/>
+              <a:t>    for j = 1 to 255, step 2</a:t>
+            </a:r>
+            <a:br>
+              <a:rPr lang="en-US" sz="1600" dirty="0"/>
+            </a:br>
+            <a:r>
+              <a:rPr lang="en-US" sz="1600" dirty="0"/>
+              <a:t>        </a:t>
+            </a:r>
+            <a:r>
+              <a:rPr lang="en-US" sz="1600" dirty="0" err="1"/>
+              <a:t>init</a:t>
+            </a:r>
+            <a:r>
+              <a:rPr lang="en-US" sz="1600" dirty="0"/>
+              <a:t> = encrypt(</a:t>
+            </a:r>
+            <a:r>
+              <a:rPr lang="en-US" sz="1600" dirty="0" err="1"/>
+              <a:t>init</a:t>
+            </a:r>
+            <a:r>
+              <a:rPr lang="en-US" sz="1600" dirty="0"/>
+              <a:t>)</a:t>
+            </a:r>
+            <a:br>
+              <a:rPr lang="en-US" sz="1600" dirty="0"/>
+            </a:br>
+            <a:r>
+              <a:rPr lang="en-US" sz="1600" dirty="0"/>
+              <a:t>        S-box[</a:t>
+            </a:r>
+            <a:r>
+              <a:rPr lang="en-US" sz="1600" dirty="0" err="1"/>
+              <a:t>i</a:t>
+            </a:r>
+            <a:r>
+              <a:rPr lang="en-US" sz="1600" dirty="0"/>
+              <a:t>][j] = </a:t>
+            </a:r>
+            <a:r>
+              <a:rPr lang="en-US" sz="1600" dirty="0" err="1"/>
+              <a:t>init</a:t>
+            </a:r>
+            <a:r>
+              <a:rPr lang="en-US" sz="1600" dirty="0"/>
+              <a:t> &gt;&gt; 32</a:t>
+            </a:r>
+            <a:br>
+              <a:rPr lang="en-US" sz="1600" dirty="0"/>
+            </a:br>
+            <a:r>
+              <a:rPr lang="en-US" sz="1600" dirty="0"/>
+              <a:t>        S-box[</a:t>
+            </a:r>
+            <a:r>
+              <a:rPr lang="en-US" sz="1600" dirty="0" err="1"/>
+              <a:t>i</a:t>
+            </a:r>
+            <a:r>
+              <a:rPr lang="en-US" sz="1600" dirty="0"/>
+              <a:t>][j+1] = </a:t>
+            </a:r>
+            <a:r>
+              <a:rPr lang="en-US" sz="1600" dirty="0" err="1"/>
+              <a:t>init</a:t>
+            </a:r>
+            <a:r>
+              <a:rPr lang="en-US" sz="1600" dirty="0"/>
+              <a:t> &amp; 0xFFFFFFFF</a:t>
+            </a:r>
+          </a:p>
+        </p:txBody>
+      </p:sp>
+    </p:spTree>
+    <p:extLst>
+      <p:ext uri="{BB962C8B-B14F-4D97-AF65-F5344CB8AC3E}">
+        <p14:creationId xmlns:p14="http://schemas.microsoft.com/office/powerpoint/2010/main" val="1128062087"/>
+      </p:ext>
+    </p:extLst>
+  </p:cSld>
+  <p:clrMapOvr>
+    <a:masterClrMapping/>
+  </p:clrMapOvr>
+</p:sld>
+</file>
+
+<file path=ppt/slides/slide14.xml><?xml version="1.0" encoding="utf-8"?>
+<p:sld xmlns:a="http://schemas.openxmlformats.org/drawingml/2006/main" xmlns:r="http://schemas.openxmlformats.org/officeDocument/2006/relationships" xmlns:p="http://schemas.openxmlformats.org/presentationml/2006/main">
+  <p:cSld>
+    <p:spTree>
+      <p:nvGrpSpPr>
+        <p:cNvPr id="1" name=""/>
+        <p:cNvGrpSpPr/>
+        <p:nvPr/>
+      </p:nvGrpSpPr>
+      <p:grpSpPr>
+        <a:xfrm>
+          <a:off x="0" y="0"/>
+          <a:ext cx="0" cy="0"/>
+          <a:chOff x="0" y="0"/>
+          <a:chExt cx="0" cy="0"/>
+        </a:xfrm>
+      </p:grpSpPr>
+      <p:sp>
+        <p:nvSpPr>
+          <p:cNvPr id="2" name="Title 1">
+            <a:extLst>
+              <a:ext uri="{FF2B5EF4-FFF2-40B4-BE49-F238E27FC236}">
+                <a16:creationId xmlns:a16="http://schemas.microsoft.com/office/drawing/2014/main" id="{72F68B03-53EB-BEEE-1C46-3A51DCFE48A1}"/>
+              </a:ext>
+            </a:extLst>
+          </p:cNvPr>
+          <p:cNvSpPr>
+            <a:spLocks noGrp="1"/>
+          </p:cNvSpPr>
+          <p:nvPr>
+            <p:ph type="title"/>
+          </p:nvPr>
+        </p:nvSpPr>
+        <p:spPr/>
+        <p:txBody>
+          <a:bodyPr/>
+          <a:lstStyle/>
+          <a:p>
+            <a:r>
+              <a:rPr lang="en-US" dirty="0"/>
+              <a:t>Blowfish – Handling a block</a:t>
+            </a:r>
+          </a:p>
+        </p:txBody>
+      </p:sp>
+      <p:sp>
+        <p:nvSpPr>
+          <p:cNvPr id="3" name="Content Placeholder 2">
+            <a:extLst>
+              <a:ext uri="{FF2B5EF4-FFF2-40B4-BE49-F238E27FC236}">
+                <a16:creationId xmlns:a16="http://schemas.microsoft.com/office/drawing/2014/main" id="{F70FE3F5-026C-DB3D-6072-54C8E45072C4}"/>
+              </a:ext>
+            </a:extLst>
+          </p:cNvPr>
+          <p:cNvSpPr>
+            <a:spLocks noGrp="1"/>
+          </p:cNvSpPr>
+          <p:nvPr>
+            <p:ph idx="1"/>
+          </p:nvPr>
+        </p:nvSpPr>
+        <p:spPr/>
+        <p:txBody>
+          <a:bodyPr>
+            <a:normAutofit fontScale="92500" lnSpcReduction="10000"/>
+          </a:bodyPr>
+          <a:lstStyle/>
+          <a:p>
+            <a:r>
+              <a:rPr lang="en-US" dirty="0"/>
+              <a:t>Divide the block into 32-bit halves, L and R</a:t>
+            </a:r>
+          </a:p>
+          <a:p>
+            <a:pPr marL="0" indent="0">
+              <a:lnSpc>
+                <a:spcPct val="100000"/>
+              </a:lnSpc>
+              <a:buNone/>
+            </a:pPr>
+            <a:r>
+              <a:rPr lang="en-US" dirty="0"/>
+              <a:t>for </a:t>
+            </a:r>
+            <a:r>
+              <a:rPr lang="en-US" dirty="0" err="1"/>
+              <a:t>i</a:t>
+            </a:r>
+            <a:r>
+              <a:rPr lang="en-US" dirty="0"/>
+              <a:t> = 1 to 16</a:t>
+            </a:r>
+            <a:br>
+              <a:rPr lang="en-US" dirty="0"/>
+            </a:br>
+            <a:r>
+              <a:rPr lang="en-US" dirty="0"/>
+              <a:t>    L = L XOR P[</a:t>
+            </a:r>
+            <a:r>
+              <a:rPr lang="en-US" dirty="0" err="1"/>
+              <a:t>i</a:t>
+            </a:r>
+            <a:r>
+              <a:rPr lang="en-US" dirty="0"/>
+              <a:t>]</a:t>
+            </a:r>
+            <a:br>
+              <a:rPr lang="en-US" dirty="0"/>
+            </a:br>
+            <a:r>
+              <a:rPr lang="en-US" dirty="0"/>
+              <a:t>    R = F(L) XOR R</a:t>
+            </a:r>
+            <a:br>
+              <a:rPr lang="en-US" dirty="0"/>
+            </a:br>
+            <a:r>
+              <a:rPr lang="en-US" dirty="0"/>
+              <a:t>    Swap(L,R)</a:t>
+            </a:r>
+            <a:br>
+              <a:rPr lang="en-US" dirty="0"/>
+            </a:br>
+            <a:r>
+              <a:rPr lang="en-US" dirty="0"/>
+              <a:t>Swap(L,R) //Undoing the last swap</a:t>
+            </a:r>
+            <a:br>
+              <a:rPr lang="en-US" dirty="0"/>
+            </a:br>
+            <a:r>
+              <a:rPr lang="en-US" dirty="0"/>
+              <a:t>R = R XOR P[17]</a:t>
+            </a:r>
+            <a:br>
+              <a:rPr lang="en-US" dirty="0"/>
+            </a:br>
+            <a:r>
+              <a:rPr lang="en-US" dirty="0"/>
+              <a:t>L = L XOR P[18]</a:t>
+            </a:r>
+            <a:br>
+              <a:rPr lang="en-US" dirty="0"/>
+            </a:br>
+            <a:r>
+              <a:rPr lang="en-US" dirty="0"/>
+              <a:t>output = L &lt;&lt; 32 | R // Combine the halves.</a:t>
+            </a:r>
+          </a:p>
+          <a:p>
+            <a:pPr>
+              <a:lnSpc>
+                <a:spcPct val="100000"/>
+              </a:lnSpc>
+            </a:pPr>
+            <a:r>
+              <a:rPr lang="en-US" dirty="0"/>
+              <a:t>Decryption follows the same steps, just reversing the order of the P-array.</a:t>
+            </a:r>
+          </a:p>
+        </p:txBody>
+      </p:sp>
+    </p:spTree>
+    <p:extLst>
+      <p:ext uri="{BB962C8B-B14F-4D97-AF65-F5344CB8AC3E}">
+        <p14:creationId xmlns:p14="http://schemas.microsoft.com/office/powerpoint/2010/main" val="1432360643"/>
+      </p:ext>
+    </p:extLst>
+  </p:cSld>
+  <p:clrMapOvr>
+    <a:masterClrMapping/>
+  </p:clrMapOvr>
+</p:sld>
+</file>
+
+<file path=ppt/slides/slide15.xml><?xml version="1.0" encoding="utf-8"?>
+<p:sld xmlns:a="http://schemas.openxmlformats.org/drawingml/2006/main" xmlns:r="http://schemas.openxmlformats.org/officeDocument/2006/relationships" xmlns:p="http://schemas.openxmlformats.org/presentationml/2006/main">
+  <p:cSld>
+    <p:spTree>
+      <p:nvGrpSpPr>
+        <p:cNvPr id="1" name=""/>
+        <p:cNvGrpSpPr/>
+        <p:nvPr/>
+      </p:nvGrpSpPr>
+      <p:grpSpPr>
+        <a:xfrm>
+          <a:off x="0" y="0"/>
+          <a:ext cx="0" cy="0"/>
+          <a:chOff x="0" y="0"/>
+          <a:chExt cx="0" cy="0"/>
+        </a:xfrm>
+      </p:grpSpPr>
+      <p:sp>
+        <p:nvSpPr>
+          <p:cNvPr id="2" name="Title 1">
+            <a:extLst>
+              <a:ext uri="{FF2B5EF4-FFF2-40B4-BE49-F238E27FC236}">
+                <a16:creationId xmlns:a16="http://schemas.microsoft.com/office/drawing/2014/main" id="{3EA5C528-C942-0C01-D443-BC234DB1909D}"/>
+              </a:ext>
+            </a:extLst>
+          </p:cNvPr>
+          <p:cNvSpPr>
+            <a:spLocks noGrp="1"/>
+          </p:cNvSpPr>
+          <p:nvPr>
+            <p:ph type="title"/>
+          </p:nvPr>
+        </p:nvSpPr>
+        <p:spPr/>
+        <p:txBody>
+          <a:bodyPr/>
+          <a:lstStyle/>
+          <a:p>
+            <a:r>
+              <a:rPr lang="en-US" dirty="0"/>
+              <a:t>Blowfish – Round function</a:t>
+            </a:r>
+          </a:p>
+        </p:txBody>
+      </p:sp>
+      <p:sp>
+        <p:nvSpPr>
+          <p:cNvPr id="3" name="Content Placeholder 2">
+            <a:extLst>
+              <a:ext uri="{FF2B5EF4-FFF2-40B4-BE49-F238E27FC236}">
+                <a16:creationId xmlns:a16="http://schemas.microsoft.com/office/drawing/2014/main" id="{8BF356B6-27D6-2BFA-F025-FD6739C53872}"/>
+              </a:ext>
+            </a:extLst>
+          </p:cNvPr>
+          <p:cNvSpPr>
+            <a:spLocks noGrp="1"/>
+          </p:cNvSpPr>
+          <p:nvPr>
+            <p:ph idx="1"/>
+          </p:nvPr>
+        </p:nvSpPr>
+        <p:spPr/>
+        <p:txBody>
+          <a:bodyPr/>
+          <a:lstStyle/>
+          <a:p>
+            <a:endParaRPr lang="en-US" dirty="0"/>
+          </a:p>
+          <a:p>
+            <a:r>
+              <a:rPr lang="en-US" dirty="0"/>
+              <a:t>Divide L into 4 quarters, 8 bit each : a, b, c, d</a:t>
+            </a:r>
+          </a:p>
+          <a:p>
+            <a:r>
+              <a:rPr lang="en-US" dirty="0"/>
+              <a:t>F(L) = ((((S</a:t>
+            </a:r>
+            <a:r>
+              <a:rPr lang="en-US" baseline="-25000" dirty="0"/>
+              <a:t>1, a</a:t>
+            </a:r>
+            <a:r>
+              <a:rPr lang="en-US" dirty="0"/>
+              <a:t> + S</a:t>
+            </a:r>
+            <a:r>
+              <a:rPr lang="en-US" baseline="-25000" dirty="0"/>
+              <a:t>2, b</a:t>
+            </a:r>
+            <a:r>
+              <a:rPr lang="en-US" dirty="0"/>
+              <a:t> )mod 2</a:t>
+            </a:r>
+            <a:r>
+              <a:rPr lang="en-US" baseline="30000" dirty="0"/>
+              <a:t>32</a:t>
+            </a:r>
+            <a:r>
+              <a:rPr lang="en-US" dirty="0"/>
+              <a:t>) XOR S</a:t>
+            </a:r>
+            <a:r>
+              <a:rPr lang="en-US" baseline="-25000" dirty="0"/>
+              <a:t>3, c</a:t>
+            </a:r>
+            <a:r>
+              <a:rPr lang="en-US" dirty="0"/>
+              <a:t>) + S</a:t>
+            </a:r>
+            <a:r>
+              <a:rPr lang="en-US" baseline="-25000" dirty="0"/>
+              <a:t>4, d</a:t>
+            </a:r>
+            <a:r>
+              <a:rPr lang="en-US" dirty="0"/>
+              <a:t> )mod 2</a:t>
+            </a:r>
+            <a:r>
+              <a:rPr lang="en-US" baseline="30000" dirty="0"/>
+              <a:t>32</a:t>
+            </a:r>
+          </a:p>
+        </p:txBody>
+      </p:sp>
+    </p:spTree>
+    <p:extLst>
+      <p:ext uri="{BB962C8B-B14F-4D97-AF65-F5344CB8AC3E}">
+        <p14:creationId xmlns:p14="http://schemas.microsoft.com/office/powerpoint/2010/main" val="2362900762"/>
+      </p:ext>
+    </p:extLst>
+  </p:cSld>
+  <p:clrMapOvr>
+    <a:masterClrMapping/>
+  </p:clrMapOvr>
+</p:sld>
+</file>
+
+<file path=ppt/slides/slide16.xml><?xml version="1.0" encoding="utf-8"?>
+<p:sld xmlns:a="http://schemas.openxmlformats.org/drawingml/2006/main" xmlns:r="http://schemas.openxmlformats.org/officeDocument/2006/relationships" xmlns:p="http://schemas.openxmlformats.org/presentationml/2006/main">
+  <p:cSld>
+    <p:spTree>
+      <p:nvGrpSpPr>
+        <p:cNvPr id="1" name=""/>
+        <p:cNvGrpSpPr/>
+        <p:nvPr/>
+      </p:nvGrpSpPr>
+      <p:grpSpPr>
+        <a:xfrm>
+          <a:off x="0" y="0"/>
+          <a:ext cx="0" cy="0"/>
+          <a:chOff x="0" y="0"/>
+          <a:chExt cx="0" cy="0"/>
+        </a:xfrm>
+      </p:grpSpPr>
+      <p:sp>
+        <p:nvSpPr>
+          <p:cNvPr id="2" name="Title 1">
+            <a:extLst>
+              <a:ext uri="{FF2B5EF4-FFF2-40B4-BE49-F238E27FC236}">
+                <a16:creationId xmlns:a16="http://schemas.microsoft.com/office/drawing/2014/main" id="{5A4BD3AC-739A-0548-E8BC-148B14E74D19}"/>
+              </a:ext>
+            </a:extLst>
+          </p:cNvPr>
+          <p:cNvSpPr>
+            <a:spLocks noGrp="1"/>
+          </p:cNvSpPr>
+          <p:nvPr>
+            <p:ph type="title"/>
+          </p:nvPr>
+        </p:nvSpPr>
+        <p:spPr/>
+        <p:txBody>
+          <a:bodyPr/>
+          <a:lstStyle/>
+          <a:p>
+            <a:r>
+              <a:rPr lang="en-US" dirty="0"/>
+              <a:t>However…</a:t>
+            </a:r>
+          </a:p>
+        </p:txBody>
+      </p:sp>
+      <p:sp>
+        <p:nvSpPr>
+          <p:cNvPr id="3" name="Content Placeholder 2">
+            <a:extLst>
+              <a:ext uri="{FF2B5EF4-FFF2-40B4-BE49-F238E27FC236}">
+                <a16:creationId xmlns:a16="http://schemas.microsoft.com/office/drawing/2014/main" id="{7B9A143D-0E59-F83E-EF47-87FBA07C4958}"/>
+              </a:ext>
+            </a:extLst>
+          </p:cNvPr>
+          <p:cNvSpPr>
+            <a:spLocks noGrp="1"/>
+          </p:cNvSpPr>
+          <p:nvPr>
+            <p:ph idx="1"/>
+          </p:nvPr>
+        </p:nvSpPr>
+        <p:spPr/>
+        <p:txBody>
+          <a:bodyPr/>
+          <a:lstStyle/>
+          <a:p>
+            <a:r>
+              <a:rPr lang="en-US" dirty="0"/>
+              <a:t>What if the file length is not an exact multiple of blocks</a:t>
+            </a:r>
+          </a:p>
+          <a:p>
+            <a:pPr lvl="1"/>
+            <a:r>
+              <a:rPr lang="en-US" dirty="0"/>
+              <a:t>e.g. 5 blocks and 48 bits.</a:t>
+            </a:r>
+          </a:p>
+          <a:p>
+            <a:pPr lvl="1"/>
+            <a:endParaRPr lang="en-US" dirty="0"/>
+          </a:p>
+          <a:p>
+            <a:r>
+              <a:rPr lang="en-US" dirty="0"/>
+              <a:t>That’s where padding schemes come into play.</a:t>
+            </a:r>
+          </a:p>
+        </p:txBody>
+      </p:sp>
+    </p:spTree>
+    <p:extLst>
+      <p:ext uri="{BB962C8B-B14F-4D97-AF65-F5344CB8AC3E}">
+        <p14:creationId xmlns:p14="http://schemas.microsoft.com/office/powerpoint/2010/main" val="753513855"/>
+      </p:ext>
+    </p:extLst>
+  </p:cSld>
+  <p:clrMapOvr>
+    <a:masterClrMapping/>
+  </p:clrMapOvr>
+</p:sld>
+</file>
+
+<file path=ppt/slides/slide17.xml><?xml version="1.0" encoding="utf-8"?>
+<p:sld xmlns:a="http://schemas.openxmlformats.org/drawingml/2006/main" xmlns:r="http://schemas.openxmlformats.org/officeDocument/2006/relationships" xmlns:p="http://schemas.openxmlformats.org/presentationml/2006/main">
+  <p:cSld>
+    <p:spTree>
+      <p:nvGrpSpPr>
+        <p:cNvPr id="1" name=""/>
+        <p:cNvGrpSpPr/>
+        <p:nvPr/>
+      </p:nvGrpSpPr>
+      <p:grpSpPr>
+        <a:xfrm>
+          <a:off x="0" y="0"/>
+          <a:ext cx="0" cy="0"/>
+          <a:chOff x="0" y="0"/>
+          <a:chExt cx="0" cy="0"/>
+        </a:xfrm>
+      </p:grpSpPr>
+      <p:sp>
+        <p:nvSpPr>
+          <p:cNvPr id="2" name="Title 1">
+            <a:extLst>
+              <a:ext uri="{FF2B5EF4-FFF2-40B4-BE49-F238E27FC236}">
+                <a16:creationId xmlns:a16="http://schemas.microsoft.com/office/drawing/2014/main" id="{9834864D-9CC6-EA50-6A14-BCC7C47D5611}"/>
+              </a:ext>
+            </a:extLst>
+          </p:cNvPr>
+          <p:cNvSpPr>
+            <a:spLocks noGrp="1"/>
+          </p:cNvSpPr>
+          <p:nvPr>
+            <p:ph type="title"/>
+          </p:nvPr>
+        </p:nvSpPr>
+        <p:spPr/>
+        <p:txBody>
+          <a:bodyPr/>
+          <a:lstStyle/>
+          <a:p>
+            <a:r>
+              <a:rPr lang="en-US" dirty="0"/>
+              <a:t>padding</a:t>
+            </a:r>
+          </a:p>
+        </p:txBody>
+      </p:sp>
+      <p:sp>
+        <p:nvSpPr>
+          <p:cNvPr id="3" name="Content Placeholder 2">
+            <a:extLst>
+              <a:ext uri="{FF2B5EF4-FFF2-40B4-BE49-F238E27FC236}">
+                <a16:creationId xmlns:a16="http://schemas.microsoft.com/office/drawing/2014/main" id="{19ADBB80-B566-8CA1-2854-9797F4C7A77D}"/>
+              </a:ext>
+            </a:extLst>
+          </p:cNvPr>
+          <p:cNvSpPr>
+            <a:spLocks noGrp="1"/>
+          </p:cNvSpPr>
+          <p:nvPr>
+            <p:ph idx="1"/>
+          </p:nvPr>
+        </p:nvSpPr>
+        <p:spPr/>
+        <p:txBody>
+          <a:bodyPr>
+            <a:normAutofit fontScale="92500"/>
+          </a:bodyPr>
+          <a:lstStyle/>
+          <a:p>
+            <a:r>
+              <a:rPr lang="en-US" dirty="0"/>
+              <a:t>Simply put, a padding scheme describes how you “fill the gap” in the last block of the file</a:t>
+            </a:r>
+          </a:p>
+          <a:p>
+            <a:r>
+              <a:rPr lang="en-US" dirty="0"/>
+              <a:t>When encrypting the example, you fill the last 2 bytes</a:t>
+            </a:r>
+          </a:p>
+          <a:p>
+            <a:r>
+              <a:rPr lang="en-US" dirty="0"/>
+              <a:t>When decrypting, you must omit the last 2 bytes.</a:t>
+            </a:r>
+          </a:p>
+          <a:p>
+            <a:r>
+              <a:rPr lang="en-US" dirty="0"/>
+              <a:t>There are multiple types of padding that are used</a:t>
+            </a:r>
+          </a:p>
+          <a:p>
+            <a:pPr lvl="1"/>
+            <a:r>
+              <a:rPr lang="en-US" dirty="0"/>
+              <a:t>E.G. PKCS5, </a:t>
+            </a:r>
+            <a:r>
+              <a:rPr lang="en-US" dirty="0" err="1"/>
+              <a:t>OneAndZeroes</a:t>
+            </a:r>
+            <a:endParaRPr lang="en-US" dirty="0"/>
+          </a:p>
+          <a:p>
+            <a:r>
+              <a:rPr lang="en-US" dirty="0"/>
+              <a:t>Naturally, the encryption and decryption programs should follow the same scheme</a:t>
+            </a:r>
+          </a:p>
+        </p:txBody>
+      </p:sp>
+    </p:spTree>
+    <p:extLst>
+      <p:ext uri="{BB962C8B-B14F-4D97-AF65-F5344CB8AC3E}">
+        <p14:creationId xmlns:p14="http://schemas.microsoft.com/office/powerpoint/2010/main" val="3043172632"/>
+      </p:ext>
+    </p:extLst>
+  </p:cSld>
+  <p:clrMapOvr>
+    <a:masterClrMapping/>
+  </p:clrMapOvr>
+</p:sld>
+</file>
+
+<file path=ppt/slides/slide18.xml><?xml version="1.0" encoding="utf-8"?>
+<p:sld xmlns:a="http://schemas.openxmlformats.org/drawingml/2006/main" xmlns:r="http://schemas.openxmlformats.org/officeDocument/2006/relationships" xmlns:p="http://schemas.openxmlformats.org/presentationml/2006/main">
+  <p:cSld>
+    <p:spTree>
+      <p:nvGrpSpPr>
+        <p:cNvPr id="1" name=""/>
+        <p:cNvGrpSpPr/>
+        <p:nvPr/>
+      </p:nvGrpSpPr>
+      <p:grpSpPr>
+        <a:xfrm>
+          <a:off x="0" y="0"/>
+          <a:ext cx="0" cy="0"/>
+          <a:chOff x="0" y="0"/>
+          <a:chExt cx="0" cy="0"/>
+        </a:xfrm>
+      </p:grpSpPr>
+      <p:sp>
+        <p:nvSpPr>
+          <p:cNvPr id="2" name="Title 1">
+            <a:extLst>
+              <a:ext uri="{FF2B5EF4-FFF2-40B4-BE49-F238E27FC236}">
+                <a16:creationId xmlns:a16="http://schemas.microsoft.com/office/drawing/2014/main" id="{E3C53446-78C9-D7B6-2843-21EEC5E51F22}"/>
+              </a:ext>
+            </a:extLst>
+          </p:cNvPr>
+          <p:cNvSpPr>
+            <a:spLocks noGrp="1"/>
+          </p:cNvSpPr>
+          <p:nvPr>
+            <p:ph type="title"/>
+          </p:nvPr>
+        </p:nvSpPr>
+        <p:spPr/>
+        <p:txBody>
+          <a:bodyPr/>
+          <a:lstStyle/>
+          <a:p>
+            <a:r>
+              <a:rPr lang="en-US" sz="3200" dirty="0"/>
+              <a:t>Chosen padding – PKCS5</a:t>
+            </a:r>
+            <a:endParaRPr lang="en-US" dirty="0"/>
+          </a:p>
+        </p:txBody>
+      </p:sp>
+      <p:sp>
+        <p:nvSpPr>
+          <p:cNvPr id="3" name="Content Placeholder 2">
+            <a:extLst>
+              <a:ext uri="{FF2B5EF4-FFF2-40B4-BE49-F238E27FC236}">
+                <a16:creationId xmlns:a16="http://schemas.microsoft.com/office/drawing/2014/main" id="{5D02633B-C297-4B59-1A4C-00E71EC239F6}"/>
+              </a:ext>
+            </a:extLst>
+          </p:cNvPr>
+          <p:cNvSpPr>
+            <a:spLocks noGrp="1"/>
+          </p:cNvSpPr>
+          <p:nvPr>
+            <p:ph idx="1"/>
+          </p:nvPr>
+        </p:nvSpPr>
+        <p:spPr/>
+        <p:txBody>
+          <a:bodyPr>
+            <a:normAutofit fontScale="92500" lnSpcReduction="20000"/>
+          </a:bodyPr>
+          <a:lstStyle/>
+          <a:p>
+            <a:r>
+              <a:rPr lang="en-US" dirty="0"/>
+              <a:t>Take the number of bytes your last block is -&gt; n</a:t>
+            </a:r>
+          </a:p>
+          <a:p>
+            <a:r>
+              <a:rPr lang="en-US" dirty="0"/>
+              <a:t>Subtract it from what it should be -&gt; B-n = p</a:t>
+            </a:r>
+          </a:p>
+          <a:p>
+            <a:r>
+              <a:rPr lang="en-US" dirty="0"/>
+              <a:t>Pad all remaining bytes with that number </a:t>
+            </a:r>
+          </a:p>
+          <a:p>
+            <a:r>
+              <a:rPr lang="en-US" dirty="0"/>
+              <a:t>Examples:</a:t>
+            </a:r>
+          </a:p>
+          <a:p>
+            <a:pPr lvl="1"/>
+            <a:r>
+              <a:rPr lang="en-US" dirty="0"/>
+              <a:t>4 bytes: FFFFFFFF________-&gt; FFFF04040404</a:t>
+            </a:r>
+          </a:p>
+          <a:p>
+            <a:pPr lvl="1"/>
+            <a:r>
+              <a:rPr lang="en-US" dirty="0"/>
+              <a:t>7 bytes: FFFFFFFFFFFFFF__ -&gt; FFFFFFFFFFFFFF01</a:t>
+            </a:r>
+          </a:p>
+          <a:p>
+            <a:r>
+              <a:rPr lang="en-US" dirty="0"/>
+              <a:t>Edge case: padding an exact multiple of blocks adds a new block.</a:t>
+            </a:r>
+          </a:p>
+          <a:p>
+            <a:pPr lvl="1"/>
+            <a:r>
+              <a:rPr lang="en-US" dirty="0"/>
+              <a:t>8 bytes: FFFFFFFFFFFFFFFF -&gt; FFFFFFFFFFFFFFFF 0808080808080808</a:t>
+            </a:r>
+          </a:p>
+          <a:p>
+            <a:endParaRPr lang="en-US" dirty="0"/>
+          </a:p>
+        </p:txBody>
+      </p:sp>
+    </p:spTree>
+    <p:extLst>
+      <p:ext uri="{BB962C8B-B14F-4D97-AF65-F5344CB8AC3E}">
+        <p14:creationId xmlns:p14="http://schemas.microsoft.com/office/powerpoint/2010/main" val="2074313504"/>
+      </p:ext>
+    </p:extLst>
+  </p:cSld>
+  <p:clrMapOvr>
+    <a:masterClrMapping/>
+  </p:clrMapOvr>
+</p:sld>
+</file>
+
+<file path=ppt/slides/slide19.xml><?xml version="1.0" encoding="utf-8"?>
+<p:sld xmlns:a="http://schemas.openxmlformats.org/drawingml/2006/main" xmlns:r="http://schemas.openxmlformats.org/officeDocument/2006/relationships" xmlns:p="http://schemas.openxmlformats.org/presentationml/2006/main">
+  <p:cSld>
+    <p:spTree>
+      <p:nvGrpSpPr>
+        <p:cNvPr id="1" name=""/>
+        <p:cNvGrpSpPr/>
+        <p:nvPr/>
+      </p:nvGrpSpPr>
+      <p:grpSpPr>
+        <a:xfrm>
+          <a:off x="0" y="0"/>
+          <a:ext cx="0" cy="0"/>
+          <a:chOff x="0" y="0"/>
+          <a:chExt cx="0" cy="0"/>
+        </a:xfrm>
+      </p:grpSpPr>
+      <p:sp>
+        <p:nvSpPr>
+          <p:cNvPr id="2" name="Title 1">
+            <a:extLst>
+              <a:ext uri="{FF2B5EF4-FFF2-40B4-BE49-F238E27FC236}">
+                <a16:creationId xmlns:a16="http://schemas.microsoft.com/office/drawing/2014/main" id="{FE5605C8-F5C0-C71D-21D2-6B251311C0D3}"/>
+              </a:ext>
+            </a:extLst>
+          </p:cNvPr>
+          <p:cNvSpPr>
+            <a:spLocks noGrp="1"/>
+          </p:cNvSpPr>
+          <p:nvPr>
+            <p:ph type="title"/>
+          </p:nvPr>
+        </p:nvSpPr>
+        <p:spPr/>
+        <p:txBody>
+          <a:bodyPr/>
+          <a:lstStyle/>
+          <a:p>
+            <a:r>
+              <a:rPr lang="en-US" sz="3600" dirty="0"/>
+              <a:t>Chosen padding – PKCS5</a:t>
+            </a:r>
+            <a:endParaRPr lang="en-US" dirty="0"/>
+          </a:p>
+        </p:txBody>
+      </p:sp>
+      <p:sp>
+        <p:nvSpPr>
+          <p:cNvPr id="3" name="Content Placeholder 2">
+            <a:extLst>
+              <a:ext uri="{FF2B5EF4-FFF2-40B4-BE49-F238E27FC236}">
+                <a16:creationId xmlns:a16="http://schemas.microsoft.com/office/drawing/2014/main" id="{0EA7AA82-417A-4C1C-F807-4680B6ED7E0F}"/>
+              </a:ext>
+            </a:extLst>
+          </p:cNvPr>
+          <p:cNvSpPr>
+            <a:spLocks noGrp="1"/>
+          </p:cNvSpPr>
+          <p:nvPr>
+            <p:ph idx="1"/>
+          </p:nvPr>
+        </p:nvSpPr>
+        <p:spPr/>
+        <p:txBody>
+          <a:bodyPr/>
+          <a:lstStyle/>
+          <a:p>
+            <a:r>
+              <a:rPr lang="en-US" dirty="0"/>
+              <a:t>When decrypting:</a:t>
+            </a:r>
+          </a:p>
+          <a:p>
+            <a:pPr lvl="1"/>
+            <a:r>
+              <a:rPr lang="en-US" dirty="0"/>
+              <a:t>Look at the last byte</a:t>
+            </a:r>
+          </a:p>
+          <a:p>
+            <a:pPr lvl="1"/>
+            <a:r>
+              <a:rPr lang="en-US" dirty="0"/>
+              <a:t>Omit that number of bytes from the end.</a:t>
+            </a:r>
+          </a:p>
+          <a:p>
+            <a:pPr lvl="1"/>
+            <a:endParaRPr lang="en-US" dirty="0"/>
+          </a:p>
+          <a:p>
+            <a:pPr lvl="1"/>
+            <a:endParaRPr lang="en-US" dirty="0"/>
+          </a:p>
+          <a:p>
+            <a:pPr lvl="1"/>
+            <a:r>
+              <a:rPr lang="en-US" sz="1600" dirty="0"/>
+              <a:t>Note: not implemented in time.</a:t>
+            </a:r>
+          </a:p>
+        </p:txBody>
+      </p:sp>
+    </p:spTree>
+    <p:extLst>
+      <p:ext uri="{BB962C8B-B14F-4D97-AF65-F5344CB8AC3E}">
+        <p14:creationId xmlns:p14="http://schemas.microsoft.com/office/powerpoint/2010/main" val="2671943127"/>
       </p:ext>
     </p:extLst>
   </p:cSld>
@@ -13220,6 +14618,156 @@
     <p:extLst>
       <p:ext uri="{BB962C8B-B14F-4D97-AF65-F5344CB8AC3E}">
         <p14:creationId xmlns:p14="http://schemas.microsoft.com/office/powerpoint/2010/main" val="2686904070"/>
+      </p:ext>
+    </p:extLst>
+  </p:cSld>
+  <p:clrMapOvr>
+    <a:masterClrMapping/>
+  </p:clrMapOvr>
+</p:sld>
+</file>
+
+<file path=ppt/slides/slide20.xml><?xml version="1.0" encoding="utf-8"?>
+<p:sld xmlns:a="http://schemas.openxmlformats.org/drawingml/2006/main" xmlns:r="http://schemas.openxmlformats.org/officeDocument/2006/relationships" xmlns:p="http://schemas.openxmlformats.org/presentationml/2006/main">
+  <p:cSld>
+    <p:spTree>
+      <p:nvGrpSpPr>
+        <p:cNvPr id="1" name=""/>
+        <p:cNvGrpSpPr/>
+        <p:nvPr/>
+      </p:nvGrpSpPr>
+      <p:grpSpPr>
+        <a:xfrm>
+          <a:off x="0" y="0"/>
+          <a:ext cx="0" cy="0"/>
+          <a:chOff x="0" y="0"/>
+          <a:chExt cx="0" cy="0"/>
+        </a:xfrm>
+      </p:grpSpPr>
+      <p:sp>
+        <p:nvSpPr>
+          <p:cNvPr id="2" name="Title 1">
+            <a:extLst>
+              <a:ext uri="{FF2B5EF4-FFF2-40B4-BE49-F238E27FC236}">
+                <a16:creationId xmlns:a16="http://schemas.microsoft.com/office/drawing/2014/main" id="{BD317246-C3BA-C859-62F4-09317ACE63E1}"/>
+              </a:ext>
+            </a:extLst>
+          </p:cNvPr>
+          <p:cNvSpPr>
+            <a:spLocks noGrp="1"/>
+          </p:cNvSpPr>
+          <p:nvPr>
+            <p:ph type="title"/>
+          </p:nvPr>
+        </p:nvSpPr>
+        <p:spPr/>
+        <p:txBody>
+          <a:bodyPr/>
+          <a:lstStyle/>
+          <a:p>
+            <a:r>
+              <a:rPr lang="en-US" dirty="0"/>
+              <a:t>Resources used</a:t>
+            </a:r>
+          </a:p>
+        </p:txBody>
+      </p:sp>
+      <p:sp>
+        <p:nvSpPr>
+          <p:cNvPr id="3" name="Content Placeholder 2">
+            <a:extLst>
+              <a:ext uri="{FF2B5EF4-FFF2-40B4-BE49-F238E27FC236}">
+                <a16:creationId xmlns:a16="http://schemas.microsoft.com/office/drawing/2014/main" id="{6E7E3126-94ED-5F09-3951-46E144867A26}"/>
+              </a:ext>
+            </a:extLst>
+          </p:cNvPr>
+          <p:cNvSpPr>
+            <a:spLocks noGrp="1"/>
+          </p:cNvSpPr>
+          <p:nvPr>
+            <p:ph idx="1"/>
+          </p:nvPr>
+        </p:nvSpPr>
+        <p:spPr/>
+        <p:txBody>
+          <a:bodyPr>
+            <a:normAutofit lnSpcReduction="10000"/>
+          </a:bodyPr>
+          <a:lstStyle/>
+          <a:p>
+            <a:r>
+              <a:rPr lang="en-US" dirty="0"/>
+              <a:t>DES:</a:t>
+            </a:r>
+          </a:p>
+          <a:p>
+            <a:pPr lvl="1"/>
+            <a:r>
+              <a:rPr lang="en-US" sz="1600" dirty="0"/>
+              <a:t>FIPS 46-3</a:t>
+            </a:r>
+          </a:p>
+          <a:p>
+            <a:pPr lvl="1"/>
+            <a:r>
+              <a:rPr lang="en-US" sz="1600" dirty="0"/>
+              <a:t>J. Orlin </a:t>
+            </a:r>
+            <a:r>
+              <a:rPr lang="en-US" sz="1600" dirty="0" err="1"/>
+              <a:t>Grabbe</a:t>
+            </a:r>
+            <a:r>
+              <a:rPr lang="en-US" sz="1600" dirty="0"/>
+              <a:t> - The DES Algorithm Illustrated</a:t>
+            </a:r>
+          </a:p>
+          <a:p>
+            <a:r>
+              <a:rPr lang="en-US" dirty="0"/>
+              <a:t>Blowfish:</a:t>
+            </a:r>
+          </a:p>
+          <a:p>
+            <a:pPr lvl="1"/>
+            <a:r>
+              <a:rPr lang="en-US" sz="1600" dirty="0"/>
+              <a:t>Schneier, B. (1994). Description of a new variable-length key, 64-bit block cipher (Blowfish). In: Anderson, R. (eds) Fast Software Encryption. FSE 1993. Lecture Notes in Computer Science, vol 809. Springer, Berlin, Heidelberg. </a:t>
+            </a:r>
+            <a:r>
+              <a:rPr lang="en-US" sz="1600" dirty="0">
+                <a:hlinkClick r:id="rId3"/>
+              </a:rPr>
+              <a:t>https://doi.org/10.1007/3-540-58108-1_24</a:t>
+            </a:r>
+            <a:endParaRPr lang="en-US" sz="1600" dirty="0"/>
+          </a:p>
+          <a:p>
+            <a:pPr lvl="1"/>
+            <a:r>
+              <a:rPr lang="en-US" sz="1600" dirty="0"/>
+              <a:t>List of constants for use in Blowfish : </a:t>
+            </a:r>
+            <a:r>
+              <a:rPr lang="en-US" sz="1600" dirty="0">
+                <a:hlinkClick r:id="rId4"/>
+              </a:rPr>
+              <a:t>https://www.schneier.com/wp-content/uploads/2015/12/constants-2.txt</a:t>
+            </a:r>
+            <a:endParaRPr lang="en-US" sz="1600" dirty="0"/>
+          </a:p>
+          <a:p>
+            <a:r>
+              <a:rPr lang="en-US" sz="2000" dirty="0"/>
+              <a:t>RSA:</a:t>
+            </a:r>
+          </a:p>
+        </p:txBody>
+      </p:sp>
+    </p:spTree>
+    <p:extLst>
+      <p:ext uri="{BB962C8B-B14F-4D97-AF65-F5344CB8AC3E}">
+        <p14:creationId xmlns:p14="http://schemas.microsoft.com/office/powerpoint/2010/main" val="2571479248"/>
       </p:ext>
     </p:extLst>
   </p:cSld>
@@ -13746,8 +15294,8 @@
         </p:nvSpPr>
         <p:spPr>
           <a:xfrm>
-            <a:off x="1141410" y="2249486"/>
-            <a:ext cx="7113590" cy="3541714"/>
+            <a:off x="552090" y="2249486"/>
+            <a:ext cx="7702909" cy="3541714"/>
           </a:xfrm>
         </p:spPr>
         <p:txBody>
@@ -14138,7 +15686,7 @@
         </p:blipFill>
         <p:spPr>
           <a:xfrm>
-            <a:off x="8768871" y="2921672"/>
+            <a:off x="8449694" y="2330329"/>
             <a:ext cx="3040507" cy="2197342"/>
           </a:xfrm>
         </p:spPr>
@@ -14338,7 +15886,7 @@
           <a:p>
             <a:r>
               <a:rPr lang="en-US" sz="2000" dirty="0"/>
-              <a:t>Similarly, middle 4bits -&gt; 0 to15 Column index</a:t>
+              <a:t>Similarly, middle 4bits -&gt; 0 to 15 Column index</a:t>
             </a:r>
           </a:p>
           <a:p>
@@ -14788,9 +16336,9 @@
           <a:bodyPr/>
           <a:lstStyle/>
           <a:p>
-            <a:endParaRPr lang="en-US" dirty="0"/>
-          </a:p>
-          <a:p>
+            <a:pPr marL="0" indent="0">
+              <a:buNone/>
+            </a:pPr>
             <a:endParaRPr lang="en-US" dirty="0"/>
           </a:p>
           <a:p>
@@ -14804,6 +16352,12 @@
               <a:rPr lang="en-US" dirty="0"/>
               <a:t>This is the final output of the Round Function</a:t>
             </a:r>
+          </a:p>
+          <a:p>
+            <a:pPr marL="0" indent="0">
+              <a:buNone/>
+            </a:pPr>
+            <a:endParaRPr lang="en-US" dirty="0"/>
           </a:p>
         </p:txBody>
       </p:sp>
